--- a/PPTs/05 Routing.pptx
+++ b/PPTs/05 Routing.pptx
@@ -248,7 +248,7 @@
             <a:fld id="{4991502B-FFA8-47B9-B4E5-980CA415BAFF}" type="datetimeFigureOut">
               <a:rPr lang="en-US" smtClean="0"/>
               <a:pPr/>
-              <a:t>5/14/2017</a:t>
+              <a:t>5/25/2017</a:t>
             </a:fld>
             <a:endParaRPr lang="en-US"/>
           </a:p>
@@ -5988,15 +5988,7 @@
           <a:p>
             <a:r>
               <a:rPr lang="en-US" dirty="0"/>
-              <a:t>Use </a:t>
-            </a:r>
-            <a:r>
-              <a:rPr lang="en-US" dirty="0" smtClean="0"/>
-              <a:t>: </a:t>
-            </a:r>
-            <a:r>
-              <a:rPr lang="en-US" dirty="0"/>
-              <a:t>syntax inside route definition</a:t>
+              <a:t>Use : syntax inside route definition</a:t>
             </a:r>
           </a:p>
           <a:p>
@@ -6016,7 +6008,7 @@
           </a:p>
           <a:p>
             <a:r>
-              <a:rPr lang="en-US" dirty="0" smtClean="0"/>
+              <a:rPr lang="en-US" dirty="0"/>
               <a:t>Or</a:t>
             </a:r>
           </a:p>
@@ -6025,7 +6017,7 @@
           </a:p>
           <a:p>
             <a:r>
-              <a:rPr lang="en-US" dirty="0" smtClean="0"/>
+              <a:rPr lang="en-US" dirty="0"/>
               <a:t>But the following is not valid</a:t>
             </a:r>
             <a:endParaRPr lang="he-IL" dirty="0"/>
@@ -6518,21 +6510,10 @@
                 <a:ea typeface="Calibri" panose="020F0502020204030204" pitchFamily="34" charset="0"/>
                 <a:cs typeface="Arial" panose="020B0604020202020204" pitchFamily="34" charset="0"/>
               </a:rPr>
-              <a:t>a </a:t>
-            </a:r>
-            <a:r>
-              <a:rPr lang="en-US" sz="1400" b="1" dirty="0" smtClean="0">
-                <a:solidFill>
-                  <a:srgbClr val="000080"/>
-                </a:solidFill>
-                <a:latin typeface="Calibri" panose="020F0502020204030204" pitchFamily="34" charset="0"/>
-                <a:ea typeface="Calibri" panose="020F0502020204030204" pitchFamily="34" charset="0"/>
-                <a:cs typeface="Arial" panose="020B0604020202020204" pitchFamily="34" charset="0"/>
-              </a:rPr>
-              <a:t>[</a:t>
-            </a:r>
-            <a:r>
-              <a:rPr lang="en-US" sz="1400" b="1" dirty="0" err="1" smtClean="0">
+              <a:t>a [</a:t>
+            </a:r>
+            <a:r>
+              <a:rPr lang="en-US" sz="1400" b="1" dirty="0" err="1">
                 <a:solidFill>
                   <a:srgbClr val="0000FF"/>
                 </a:solidFill>
@@ -6543,7 +6524,7 @@
               <a:t>routerLink</a:t>
             </a:r>
             <a:r>
-              <a:rPr lang="en-US" sz="1400" b="1" dirty="0" smtClean="0">
+              <a:rPr lang="en-US" sz="1400" b="1" dirty="0">
                 <a:solidFill>
                   <a:srgbClr val="0000FF"/>
                 </a:solidFill>
@@ -6554,7 +6535,7 @@
               <a:t>]=</a:t>
             </a:r>
             <a:r>
-              <a:rPr lang="en-US" sz="1400" b="1" dirty="0" smtClean="0">
+              <a:rPr lang="en-US" sz="1400" b="1" dirty="0">
                 <a:solidFill>
                   <a:srgbClr val="008000"/>
                 </a:solidFill>
@@ -6565,26 +6546,15 @@
               <a:t>“[‘contact’, {id: 1}]"</a:t>
             </a:r>
             <a:r>
-              <a:rPr lang="en-US" sz="1400" dirty="0" smtClean="0">
-                <a:solidFill>
-                  <a:srgbClr val="000000"/>
-                </a:solidFill>
-                <a:latin typeface="Calibri" panose="020F0502020204030204" pitchFamily="34" charset="0"/>
-                <a:ea typeface="Calibri" panose="020F0502020204030204" pitchFamily="34" charset="0"/>
-                <a:cs typeface="Arial" panose="020B0604020202020204" pitchFamily="34" charset="0"/>
-              </a:rPr>
-              <a:t>&gt;</a:t>
-            </a:r>
-            <a:r>
-              <a:rPr lang="en-US" sz="1400" dirty="0">
-                <a:solidFill>
-                  <a:srgbClr val="000000"/>
-                </a:solidFill>
-                <a:latin typeface="Calibri" panose="020F0502020204030204" pitchFamily="34" charset="0"/>
-                <a:ea typeface="Calibri" panose="020F0502020204030204" pitchFamily="34" charset="0"/>
-                <a:cs typeface="Arial" panose="020B0604020202020204" pitchFamily="34" charset="0"/>
-              </a:rPr>
-              <a:t>Contact&lt;/</a:t>
+              <a:rPr lang="en-US" sz="1400" dirty="0">
+                <a:solidFill>
+                  <a:srgbClr val="000000"/>
+                </a:solidFill>
+                <a:latin typeface="Calibri" panose="020F0502020204030204" pitchFamily="34" charset="0"/>
+                <a:ea typeface="Calibri" panose="020F0502020204030204" pitchFamily="34" charset="0"/>
+                <a:cs typeface="Arial" panose="020B0604020202020204" pitchFamily="34" charset="0"/>
+              </a:rPr>
+              <a:t>&gt;Contact&lt;/</a:t>
             </a:r>
             <a:r>
               <a:rPr lang="en-US" sz="1400" b="1" dirty="0">
@@ -6783,11 +6753,7 @@
             </a:r>
             <a:r>
               <a:rPr lang="en-US" dirty="0"/>
-              <a:t>for a </a:t>
-            </a:r>
-            <a:r>
-              <a:rPr lang="en-US" dirty="0" smtClean="0"/>
-              <a:t>simple read</a:t>
+              <a:t>for a simple read</a:t>
             </a:r>
             <a:endParaRPr lang="he-IL" dirty="0"/>
           </a:p>
@@ -6928,17 +6894,6 @@
                 <a:cs typeface="Arial" panose="020B0604020202020204" pitchFamily="34" charset="0"/>
               </a:rPr>
             </a:br>
-            <a:r>
-              <a:rPr lang="en-US" sz="1400" dirty="0">
-                <a:solidFill>
-                  <a:srgbClr val="000000"/>
-                </a:solidFill>
-                <a:latin typeface="Calibri" panose="020F0502020204030204" pitchFamily="34" charset="0"/>
-                <a:ea typeface="Calibri" panose="020F0502020204030204" pitchFamily="34" charset="0"/>
-                <a:cs typeface="Arial" panose="020B0604020202020204" pitchFamily="34" charset="0"/>
-              </a:rPr>
-              <a:t/>
-            </a:r>
             <a:br>
               <a:rPr lang="en-US" sz="1400" dirty="0">
                 <a:solidFill>
@@ -7337,15 +7292,7 @@
             </a:r>
             <a:r>
               <a:rPr lang="en-US" dirty="0"/>
-              <a:t> can </a:t>
-            </a:r>
-            <a:r>
-              <a:rPr lang="en-US" dirty="0" smtClean="0"/>
-              <a:t>have </a:t>
-            </a:r>
-            <a:r>
-              <a:rPr lang="en-US" dirty="0"/>
-              <a:t>its own optional parameters</a:t>
+              <a:t> can have its own optional parameters</a:t>
             </a:r>
           </a:p>
           <a:p>
@@ -7655,10 +7602,9 @@
           <a:lstStyle/>
           <a:p>
             <a:r>
-              <a:rPr lang="en-US" dirty="0" smtClean="0"/>
+              <a:rPr lang="en-US" dirty="0"/>
               <a:t>Optional Parameters</a:t>
             </a:r>
-            <a:endParaRPr lang="en-US" dirty="0"/>
           </a:p>
         </p:txBody>
       </p:sp>
@@ -7678,7 +7624,7 @@
           <a:lstStyle/>
           <a:p>
             <a:r>
-              <a:rPr lang="en-US" smtClean="0"/>
+              <a:rPr lang="en-US"/>
               <a:t>© 2016 Ori Calvo</a:t>
             </a:r>
             <a:endParaRPr lang="en-US" dirty="0"/>
@@ -7727,30 +7673,30 @@
           <a:lstStyle/>
           <a:p>
             <a:r>
-              <a:rPr lang="en-US" dirty="0" smtClean="0"/>
+              <a:rPr lang="en-US" dirty="0"/>
               <a:t>Are not preserved when navigating between routes</a:t>
             </a:r>
           </a:p>
           <a:p>
             <a:r>
-              <a:rPr lang="en-US" dirty="0" smtClean="0"/>
+              <a:rPr lang="en-US" dirty="0"/>
               <a:t>Even when navigating to the same route</a:t>
             </a:r>
           </a:p>
           <a:p>
             <a:r>
-              <a:rPr lang="en-US" dirty="0" smtClean="0"/>
+              <a:rPr lang="en-US" dirty="0"/>
               <a:t>Optional and required parameter may have the same name</a:t>
             </a:r>
           </a:p>
           <a:p>
             <a:pPr lvl="1"/>
             <a:r>
-              <a:rPr lang="en-US" dirty="0" smtClean="0"/>
+              <a:rPr lang="en-US" dirty="0"/>
               <a:t>In that case the optional parameter has higher precedence which reflects inside the </a:t>
             </a:r>
             <a:r>
-              <a:rPr lang="en-US" dirty="0" err="1" smtClean="0">
+              <a:rPr lang="en-US" dirty="0" err="1">
                 <a:solidFill>
                   <a:srgbClr val="FF0000"/>
                 </a:solidFill>
@@ -7758,17 +7704,16 @@
               <a:t>ActivatedRoute.data</a:t>
             </a:r>
             <a:r>
-              <a:rPr lang="en-US" dirty="0" smtClean="0"/>
+              <a:rPr lang="en-US" dirty="0"/>
               <a:t> field</a:t>
             </a:r>
           </a:p>
           <a:p>
             <a:pPr lvl="1"/>
             <a:r>
-              <a:rPr lang="en-US" dirty="0" smtClean="0"/>
+              <a:rPr lang="en-US" dirty="0"/>
               <a:t>See more details later</a:t>
             </a:r>
-            <a:endParaRPr lang="en-US" dirty="0"/>
           </a:p>
         </p:txBody>
       </p:sp>
@@ -8279,17 +8224,6 @@
                 <a:cs typeface="Arial" panose="020B0604020202020204" pitchFamily="34" charset="0"/>
               </a:rPr>
             </a:br>
-            <a:r>
-              <a:rPr lang="en-US" sz="1200" dirty="0">
-                <a:solidFill>
-                  <a:srgbClr val="000000"/>
-                </a:solidFill>
-                <a:latin typeface="Calibri" panose="020F0502020204030204" pitchFamily="34" charset="0"/>
-                <a:ea typeface="Calibri" panose="020F0502020204030204" pitchFamily="34" charset="0"/>
-                <a:cs typeface="Arial" panose="020B0604020202020204" pitchFamily="34" charset="0"/>
-              </a:rPr>
-              <a:t/>
-            </a:r>
             <a:br>
               <a:rPr lang="en-US" sz="1200" dirty="0">
                 <a:solidFill>
@@ -8623,17 +8557,6 @@
                 <a:cs typeface="Arial" panose="020B0604020202020204" pitchFamily="34" charset="0"/>
               </a:rPr>
               <a:t>.activatedRoute</a:t>
-            </a:r>
-            <a:r>
-              <a:rPr lang="en-US" sz="1200" dirty="0">
-                <a:solidFill>
-                  <a:srgbClr val="000000"/>
-                </a:solidFill>
-                <a:latin typeface="Calibri" panose="020F0502020204030204" pitchFamily="34" charset="0"/>
-                <a:ea typeface="Calibri" panose="020F0502020204030204" pitchFamily="34" charset="0"/>
-                <a:cs typeface="Arial" panose="020B0604020202020204" pitchFamily="34" charset="0"/>
-              </a:rPr>
-              <a:t/>
             </a:r>
             <a:br>
               <a:rPr lang="en-US" sz="1200" dirty="0">
@@ -9223,17 +9146,6 @@
                 <a:cs typeface="Arial" panose="020B0604020202020204" pitchFamily="34" charset="0"/>
               </a:rPr>
             </a:br>
-            <a:r>
-              <a:rPr lang="en-US" sz="1200" dirty="0">
-                <a:solidFill>
-                  <a:srgbClr val="000000"/>
-                </a:solidFill>
-                <a:latin typeface="Calibri" panose="020F0502020204030204" pitchFamily="34" charset="0"/>
-                <a:ea typeface="Calibri" panose="020F0502020204030204" pitchFamily="34" charset="0"/>
-                <a:cs typeface="Arial" panose="020B0604020202020204" pitchFamily="34" charset="0"/>
-              </a:rPr>
-              <a:t/>
-            </a:r>
             <a:br>
               <a:rPr lang="en-US" sz="1200" dirty="0">
                 <a:solidFill>
@@ -10276,7 +10188,7 @@
               <a:t>showMore</a:t>
             </a:r>
             <a:r>
-              <a:rPr lang="en-US" sz="1200" dirty="0" smtClean="0">
+              <a:rPr lang="en-US" sz="1200" dirty="0">
                 <a:solidFill>
                   <a:srgbClr val="000000"/>
                 </a:solidFill>
@@ -10285,17 +10197,6 @@
                 <a:cs typeface="Arial" panose="020B0604020202020204" pitchFamily="34" charset="0"/>
               </a:rPr>
               <a:t>);</a:t>
-            </a:r>
-            <a:r>
-              <a:rPr lang="en-US" sz="1200" dirty="0">
-                <a:solidFill>
-                  <a:srgbClr val="000000"/>
-                </a:solidFill>
-                <a:latin typeface="Calibri" panose="020F0502020204030204" pitchFamily="34" charset="0"/>
-                <a:ea typeface="Calibri" panose="020F0502020204030204" pitchFamily="34" charset="0"/>
-                <a:cs typeface="Arial" panose="020B0604020202020204" pitchFamily="34" charset="0"/>
-              </a:rPr>
-              <a:t/>
             </a:r>
             <a:br>
               <a:rPr lang="en-US" sz="1200" dirty="0">
@@ -10644,17 +10545,6 @@
                 <a:cs typeface="Arial" panose="020B0604020202020204" pitchFamily="34" charset="0"/>
               </a:rPr>
             </a:br>
-            <a:r>
-              <a:rPr lang="en-US" sz="1400" dirty="0">
-                <a:solidFill>
-                  <a:srgbClr val="000000"/>
-                </a:solidFill>
-                <a:latin typeface="Calibri" panose="020F0502020204030204" pitchFamily="34" charset="0"/>
-                <a:ea typeface="Calibri" panose="020F0502020204030204" pitchFamily="34" charset="0"/>
-                <a:cs typeface="Arial" panose="020B0604020202020204" pitchFamily="34" charset="0"/>
-              </a:rPr>
-              <a:t/>
-            </a:r>
             <a:br>
               <a:rPr lang="en-US" sz="1400" dirty="0">
                 <a:solidFill>
@@ -10796,17 +10686,6 @@
                 <a:cs typeface="Arial" panose="020B0604020202020204" pitchFamily="34" charset="0"/>
               </a:rPr>
             </a:br>
-            <a:r>
-              <a:rPr lang="en-US" sz="1400" dirty="0">
-                <a:solidFill>
-                  <a:srgbClr val="000000"/>
-                </a:solidFill>
-                <a:latin typeface="Calibri" panose="020F0502020204030204" pitchFamily="34" charset="0"/>
-                <a:ea typeface="Calibri" panose="020F0502020204030204" pitchFamily="34" charset="0"/>
-                <a:cs typeface="Arial" panose="020B0604020202020204" pitchFamily="34" charset="0"/>
-              </a:rPr>
-              <a:t/>
-            </a:r>
             <a:br>
               <a:rPr lang="en-US" sz="1400" dirty="0">
                 <a:solidFill>
@@ -11875,17 +11754,6 @@
                 <a:cs typeface="Arial" panose="020B0604020202020204" pitchFamily="34" charset="0"/>
               </a:rPr>
             </a:br>
-            <a:r>
-              <a:rPr lang="en-US" sz="1000" dirty="0">
-                <a:solidFill>
-                  <a:srgbClr val="000000"/>
-                </a:solidFill>
-                <a:latin typeface="Calibri" panose="020F0502020204030204" pitchFamily="34" charset="0"/>
-                <a:ea typeface="Calibri" panose="020F0502020204030204" pitchFamily="34" charset="0"/>
-                <a:cs typeface="Arial" panose="020B0604020202020204" pitchFamily="34" charset="0"/>
-              </a:rPr>
-              <a:t/>
-            </a:r>
             <a:br>
               <a:rPr lang="en-US" sz="1000" dirty="0">
                 <a:solidFill>
@@ -12363,17 +12231,6 @@
                 <a:cs typeface="Arial" panose="020B0604020202020204" pitchFamily="34" charset="0"/>
               </a:rPr>
             </a:br>
-            <a:r>
-              <a:rPr lang="en-US" sz="1000" dirty="0">
-                <a:solidFill>
-                  <a:srgbClr val="000000"/>
-                </a:solidFill>
-                <a:latin typeface="Calibri" panose="020F0502020204030204" pitchFamily="34" charset="0"/>
-                <a:ea typeface="Calibri" panose="020F0502020204030204" pitchFamily="34" charset="0"/>
-                <a:cs typeface="Arial" panose="020B0604020202020204" pitchFamily="34" charset="0"/>
-              </a:rPr>
-              <a:t/>
-            </a:r>
             <a:br>
               <a:rPr lang="en-US" sz="1000" dirty="0">
                 <a:solidFill>
@@ -12768,37 +12625,24 @@
           <a:p>
             <a:r>
               <a:rPr lang="en-US" dirty="0"/>
-              <a:t>Simulate a “standard” browser </a:t>
-            </a:r>
-            <a:r>
-              <a:rPr lang="en-US" dirty="0" smtClean="0"/>
-              <a:t>navigation inside SPA</a:t>
-            </a:r>
-          </a:p>
-          <a:p>
-            <a:r>
-              <a:rPr lang="en-US" dirty="0" smtClean="0"/>
+              <a:t>Simulate a “standard” browser navigation inside SPA</a:t>
+            </a:r>
+          </a:p>
+          <a:p>
+            <a:r>
+              <a:rPr lang="en-US" dirty="0"/>
               <a:t>A routing table describes the association between URLs and components</a:t>
             </a:r>
           </a:p>
           <a:p>
             <a:r>
-              <a:rPr lang="en-US" dirty="0" smtClean="0"/>
-              <a:t>Integrate </a:t>
-            </a:r>
-            <a:r>
               <a:rPr lang="en-US" dirty="0"/>
-              <a:t>with browser’s history </a:t>
-            </a:r>
-            <a:r>
-              <a:rPr lang="en-US" dirty="0" smtClean="0"/>
-              <a:t>buttons</a:t>
-            </a:r>
-            <a:endParaRPr lang="en-US" dirty="0"/>
-          </a:p>
-          <a:p>
-            <a:r>
-              <a:rPr lang="en-US" dirty="0" smtClean="0"/>
+              <a:t>Integrate with browser’s history buttons</a:t>
+            </a:r>
+          </a:p>
+          <a:p>
+            <a:r>
+              <a:rPr lang="en-US" dirty="0"/>
               <a:t>Navigation is done using links or code (imperatively)</a:t>
             </a:r>
           </a:p>
@@ -13508,17 +13352,6 @@
                 <a:cs typeface="Arial" panose="020B0604020202020204" pitchFamily="34" charset="0"/>
               </a:rPr>
             </a:br>
-            <a:r>
-              <a:rPr lang="en-US" dirty="0">
-                <a:solidFill>
-                  <a:srgbClr val="000000"/>
-                </a:solidFill>
-                <a:latin typeface="Calibri" panose="020F0502020204030204" pitchFamily="34" charset="0"/>
-                <a:ea typeface="Calibri" panose="020F0502020204030204" pitchFamily="34" charset="0"/>
-                <a:cs typeface="Arial" panose="020B0604020202020204" pitchFamily="34" charset="0"/>
-              </a:rPr>
-              <a:t/>
-            </a:r>
             <a:br>
               <a:rPr lang="en-US" dirty="0">
                 <a:solidFill>
@@ -13616,17 +13449,6 @@
                 <a:cs typeface="Arial" panose="020B0604020202020204" pitchFamily="34" charset="0"/>
               </a:rPr>
             </a:br>
-            <a:r>
-              <a:rPr lang="en-US" dirty="0">
-                <a:solidFill>
-                  <a:srgbClr val="000000"/>
-                </a:solidFill>
-                <a:latin typeface="Calibri" panose="020F0502020204030204" pitchFamily="34" charset="0"/>
-                <a:ea typeface="Calibri" panose="020F0502020204030204" pitchFamily="34" charset="0"/>
-                <a:cs typeface="Arial" panose="020B0604020202020204" pitchFamily="34" charset="0"/>
-              </a:rPr>
-              <a:t/>
-            </a:r>
             <a:br>
               <a:rPr lang="en-US" dirty="0">
                 <a:solidFill>
@@ -15453,17 +15275,6 @@
                 <a:cs typeface="Arial" panose="020B0604020202020204" pitchFamily="34" charset="0"/>
               </a:rPr>
             </a:br>
-            <a:r>
-              <a:rPr lang="en-US" sz="1000" dirty="0">
-                <a:solidFill>
-                  <a:srgbClr val="000000"/>
-                </a:solidFill>
-                <a:latin typeface="Calibri" panose="020F0502020204030204" pitchFamily="34" charset="0"/>
-                <a:ea typeface="Calibri" panose="020F0502020204030204" pitchFamily="34" charset="0"/>
-                <a:cs typeface="Arial" panose="020B0604020202020204" pitchFamily="34" charset="0"/>
-              </a:rPr>
-              <a:t/>
-            </a:r>
             <a:br>
               <a:rPr lang="en-US" sz="1000" dirty="0">
                 <a:solidFill>
@@ -15636,17 +15447,6 @@
                 <a:cs typeface="Arial" panose="020B0604020202020204" pitchFamily="34" charset="0"/>
               </a:rPr>
             </a:br>
-            <a:r>
-              <a:rPr lang="en-US" sz="1000" dirty="0">
-                <a:solidFill>
-                  <a:srgbClr val="000000"/>
-                </a:solidFill>
-                <a:latin typeface="Calibri" panose="020F0502020204030204" pitchFamily="34" charset="0"/>
-                <a:ea typeface="Calibri" panose="020F0502020204030204" pitchFamily="34" charset="0"/>
-                <a:cs typeface="Arial" panose="020B0604020202020204" pitchFamily="34" charset="0"/>
-              </a:rPr>
-              <a:t/>
-            </a:r>
             <a:br>
               <a:rPr lang="en-US" sz="1000" dirty="0">
                 <a:solidFill>
@@ -15918,17 +15718,6 @@
                 <a:cs typeface="Arial" panose="020B0604020202020204" pitchFamily="34" charset="0"/>
               </a:rPr>
             </a:br>
-            <a:r>
-              <a:rPr lang="en-US" sz="1000" dirty="0">
-                <a:solidFill>
-                  <a:srgbClr val="000000"/>
-                </a:solidFill>
-                <a:latin typeface="Calibri" panose="020F0502020204030204" pitchFamily="34" charset="0"/>
-                <a:ea typeface="Calibri" panose="020F0502020204030204" pitchFamily="34" charset="0"/>
-                <a:cs typeface="Arial" panose="020B0604020202020204" pitchFamily="34" charset="0"/>
-              </a:rPr>
-              <a:t/>
-            </a:r>
             <a:br>
               <a:rPr lang="en-US" sz="1000" dirty="0">
                 <a:solidFill>
@@ -16255,17 +16044,6 @@
                 <a:cs typeface="Arial" panose="020B0604020202020204" pitchFamily="34" charset="0"/>
               </a:rPr>
             </a:br>
-            <a:r>
-              <a:rPr lang="en-US" sz="1000" dirty="0">
-                <a:solidFill>
-                  <a:srgbClr val="000000"/>
-                </a:solidFill>
-                <a:latin typeface="Calibri" panose="020F0502020204030204" pitchFamily="34" charset="0"/>
-                <a:ea typeface="Calibri" panose="020F0502020204030204" pitchFamily="34" charset="0"/>
-                <a:cs typeface="Arial" panose="020B0604020202020204" pitchFamily="34" charset="0"/>
-              </a:rPr>
-              <a:t/>
-            </a:r>
             <a:br>
               <a:rPr lang="en-US" sz="1000" dirty="0">
                 <a:solidFill>
@@ -16548,17 +16326,6 @@
                 <a:cs typeface="Arial" panose="020B0604020202020204" pitchFamily="34" charset="0"/>
               </a:rPr>
             </a:br>
-            <a:r>
-              <a:rPr lang="en-US" sz="1000" dirty="0">
-                <a:solidFill>
-                  <a:srgbClr val="000000"/>
-                </a:solidFill>
-                <a:latin typeface="Calibri" panose="020F0502020204030204" pitchFamily="34" charset="0"/>
-                <a:ea typeface="Calibri" panose="020F0502020204030204" pitchFamily="34" charset="0"/>
-                <a:cs typeface="Arial" panose="020B0604020202020204" pitchFamily="34" charset="0"/>
-              </a:rPr>
-              <a:t/>
-            </a:r>
             <a:br>
               <a:rPr lang="en-US" sz="1000" dirty="0">
                 <a:solidFill>
@@ -22874,7 +22641,7 @@
           <a:lstStyle/>
           <a:p>
             <a:r>
-              <a:rPr lang="en-US" dirty="0" smtClean="0"/>
+              <a:rPr lang="en-US" dirty="0"/>
               <a:t>Why bother changing the URL ?</a:t>
             </a:r>
             <a:endParaRPr lang="he-IL" dirty="0"/>
@@ -23762,17 +23529,6 @@
                 <a:cs typeface="Arial" panose="020B0604020202020204" pitchFamily="34" charset="0"/>
               </a:rPr>
             </a:br>
-            <a:r>
-              <a:rPr lang="en-US" sz="1200" dirty="0">
-                <a:solidFill>
-                  <a:srgbClr val="000000"/>
-                </a:solidFill>
-                <a:latin typeface="Calibri" panose="020F0502020204030204" pitchFamily="34" charset="0"/>
-                <a:ea typeface="Calibri" panose="020F0502020204030204" pitchFamily="34" charset="0"/>
-                <a:cs typeface="Arial" panose="020B0604020202020204" pitchFamily="34" charset="0"/>
-              </a:rPr>
-              <a:t/>
-            </a:r>
             <a:br>
               <a:rPr lang="en-US" sz="1200" dirty="0">
                 <a:solidFill>
@@ -25761,17 +25517,6 @@
                 <a:cs typeface="Arial" panose="020B0604020202020204" pitchFamily="34" charset="0"/>
               </a:rPr>
             </a:br>
-            <a:r>
-              <a:rPr lang="en-US" sz="1400" dirty="0">
-                <a:solidFill>
-                  <a:srgbClr val="000000"/>
-                </a:solidFill>
-                <a:latin typeface="Calibri" panose="020F0502020204030204" pitchFamily="34" charset="0"/>
-                <a:ea typeface="Calibri" panose="020F0502020204030204" pitchFamily="34" charset="0"/>
-                <a:cs typeface="Arial" panose="020B0604020202020204" pitchFamily="34" charset="0"/>
-              </a:rPr>
-              <a:t/>
-            </a:r>
             <a:br>
               <a:rPr lang="en-US" sz="1400" dirty="0">
                 <a:solidFill>
@@ -25978,17 +25723,6 @@
                 <a:cs typeface="Arial" panose="020B0604020202020204" pitchFamily="34" charset="0"/>
               </a:rPr>
             </a:br>
-            <a:r>
-              <a:rPr lang="en-US" sz="1400" dirty="0">
-                <a:solidFill>
-                  <a:srgbClr val="000000"/>
-                </a:solidFill>
-                <a:latin typeface="Calibri" panose="020F0502020204030204" pitchFamily="34" charset="0"/>
-                <a:ea typeface="Calibri" panose="020F0502020204030204" pitchFamily="34" charset="0"/>
-                <a:cs typeface="Arial" panose="020B0604020202020204" pitchFamily="34" charset="0"/>
-              </a:rPr>
-              <a:t/>
-            </a:r>
             <a:br>
               <a:rPr lang="en-US" sz="1400" dirty="0">
                 <a:solidFill>
@@ -26140,17 +25874,6 @@
                 <a:cs typeface="Arial" panose="020B0604020202020204" pitchFamily="34" charset="0"/>
               </a:rPr>
             </a:br>
-            <a:r>
-              <a:rPr lang="en-US" sz="1400" dirty="0">
-                <a:solidFill>
-                  <a:srgbClr val="000000"/>
-                </a:solidFill>
-                <a:latin typeface="Calibri" panose="020F0502020204030204" pitchFamily="34" charset="0"/>
-                <a:ea typeface="Calibri" panose="020F0502020204030204" pitchFamily="34" charset="0"/>
-                <a:cs typeface="Arial" panose="020B0604020202020204" pitchFamily="34" charset="0"/>
-              </a:rPr>
-              <a:t/>
-            </a:r>
             <a:br>
               <a:rPr lang="en-US" sz="1400" dirty="0">
                 <a:solidFill>
@@ -26357,17 +26080,6 @@
                 <a:cs typeface="Arial" panose="020B0604020202020204" pitchFamily="34" charset="0"/>
               </a:rPr>
             </a:br>
-            <a:r>
-              <a:rPr lang="en-US" sz="1400" dirty="0">
-                <a:solidFill>
-                  <a:srgbClr val="000000"/>
-                </a:solidFill>
-                <a:latin typeface="Calibri" panose="020F0502020204030204" pitchFamily="34" charset="0"/>
-                <a:ea typeface="Calibri" panose="020F0502020204030204" pitchFamily="34" charset="0"/>
-                <a:cs typeface="Arial" panose="020B0604020202020204" pitchFamily="34" charset="0"/>
-              </a:rPr>
-              <a:t/>
-            </a:r>
             <a:br>
               <a:rPr lang="en-US" sz="1400" dirty="0">
                 <a:solidFill>
@@ -29455,7 +29167,7 @@
           <a:lstStyle/>
           <a:p>
             <a:r>
-              <a:rPr lang="en-US" dirty="0" smtClean="0"/>
+              <a:rPr lang="en-US" dirty="0"/>
               <a:t>Base tag</a:t>
             </a:r>
             <a:endParaRPr lang="he-IL" dirty="0"/>
@@ -29741,11 +29453,19 @@
               <a:t>See </a:t>
             </a:r>
             <a:r>
-              <a:rPr lang="en-US" dirty="0" err="1"/>
+              <a:rPr lang="en-US" dirty="0" err="1">
+                <a:solidFill>
+                  <a:srgbClr val="FF0000"/>
+                </a:solidFill>
+              </a:rPr>
               <a:t>ui</a:t>
             </a:r>
             <a:r>
-              <a:rPr lang="en-US" dirty="0"/>
+              <a:rPr lang="en-US" dirty="0">
+                <a:solidFill>
+                  <a:srgbClr val="FF0000"/>
+                </a:solidFill>
+              </a:rPr>
               <a:t>-router</a:t>
             </a:r>
           </a:p>
@@ -31254,7 +30974,7 @@
               <a:t>Specificity does not matter </a:t>
             </a:r>
             <a:r>
-              <a:rPr lang="en-US" dirty="0" smtClean="0">
+              <a:rPr lang="en-US" dirty="0">
                 <a:sym typeface="Wingdings" panose="05000000000000000000" pitchFamily="2" charset="2"/>
               </a:rPr>
               <a:t></a:t>
@@ -31262,7 +30982,7 @@
           </a:p>
           <a:p>
             <a:r>
-              <a:rPr lang="en-US" dirty="0" smtClean="0">
+              <a:rPr lang="en-US" dirty="0">
                 <a:sym typeface="Wingdings" panose="05000000000000000000" pitchFamily="2" charset="2"/>
               </a:rPr>
               <a:t>Nested routes are supported</a:t>
@@ -31451,7 +31171,7 @@
               <a:t>h1</a:t>
             </a:r>
             <a:r>
-              <a:rPr lang="en-US" sz="1600" dirty="0" smtClean="0">
+              <a:rPr lang="en-US" sz="1600" dirty="0">
                 <a:solidFill>
                   <a:srgbClr val="000000"/>
                 </a:solidFill>
@@ -31463,17 +31183,6 @@
             </a:r>
           </a:p>
           <a:p>
-            <a:r>
-              <a:rPr lang="en-US" sz="1600" dirty="0">
-                <a:solidFill>
-                  <a:srgbClr val="000000"/>
-                </a:solidFill>
-                <a:latin typeface="Calibri" panose="020F0502020204030204" pitchFamily="34" charset="0"/>
-                <a:ea typeface="Calibri" panose="020F0502020204030204" pitchFamily="34" charset="0"/>
-                <a:cs typeface="Arial" panose="020B0604020202020204" pitchFamily="34" charset="0"/>
-              </a:rPr>
-              <a:t/>
-            </a:r>
             <a:br>
               <a:rPr lang="en-US" sz="1600" dirty="0">
                 <a:solidFill>

--- a/PPTs/05 Routing.pptx
+++ b/PPTs/05 Routing.pptx
@@ -5,7 +5,7 @@
     <p:sldMasterId id="2147483672" r:id="rId1"/>
   </p:sldMasterIdLst>
   <p:notesMasterIdLst>
-    <p:notesMasterId r:id="rId38"/>
+    <p:notesMasterId r:id="rId37"/>
   </p:notesMasterIdLst>
   <p:sldIdLst>
     <p:sldId id="256" r:id="rId2"/>
@@ -42,8 +42,7 @@
     <p:sldId id="325" r:id="rId33"/>
     <p:sldId id="326" r:id="rId34"/>
     <p:sldId id="304" r:id="rId35"/>
-    <p:sldId id="301" r:id="rId36"/>
-    <p:sldId id="292" r:id="rId37"/>
+    <p:sldId id="292" r:id="rId36"/>
   </p:sldIdLst>
   <p:sldSz cx="9144000" cy="6858000" type="screen4x3"/>
   <p:notesSz cx="6858000" cy="9144000"/>
@@ -161,10 +160,6 @@
 </p:presentation>
 </file>
 
-<file path=ppt/revisionInfo.xml><?xml version="1.0" encoding="utf-8"?>
-<p1510:revInfo xmlns:a="http://schemas.openxmlformats.org/drawingml/2006/main" xmlns:r="http://schemas.openxmlformats.org/officeDocument/2006/relationships" xmlns:p1510="http://schemas.microsoft.com/office/powerpoint/2015/10/main"/>
-</file>
-
 <file path=ppt/notesMasters/notesMaster1.xml><?xml version="1.0" encoding="utf-8"?>
 <p:notesMaster xmlns:a="http://schemas.openxmlformats.org/drawingml/2006/main" xmlns:r="http://schemas.openxmlformats.org/officeDocument/2006/relationships" xmlns:p="http://schemas.openxmlformats.org/presentationml/2006/main">
   <p:cSld>
@@ -248,7 +243,7 @@
             <a:fld id="{4991502B-FFA8-47B9-B4E5-980CA415BAFF}" type="datetimeFigureOut">
               <a:rPr lang="en-US" smtClean="0"/>
               <a:pPr/>
-              <a:t>5/25/2017</a:t>
+              <a:t>5/14/2018</a:t>
             </a:fld>
             <a:endParaRPr lang="en-US"/>
           </a:p>
@@ -11611,59 +11606,6 @@
       </p:sp>
       <p:sp>
         <p:nvSpPr>
-          <p:cNvPr id="9" name="Line Callout 2 6"/>
-          <p:cNvSpPr/>
-          <p:nvPr/>
-        </p:nvSpPr>
-        <p:spPr>
-          <a:xfrm>
-            <a:off x="5796136" y="5893720"/>
-            <a:ext cx="1656184" cy="583279"/>
-          </a:xfrm>
-          <a:prstGeom prst="borderCallout2">
-            <a:avLst>
-              <a:gd name="adj1" fmla="val -17023"/>
-              <a:gd name="adj2" fmla="val 46922"/>
-              <a:gd name="adj3" fmla="val -18076"/>
-              <a:gd name="adj4" fmla="val 62699"/>
-              <a:gd name="adj5" fmla="val -310439"/>
-              <a:gd name="adj6" fmla="val -175352"/>
-            </a:avLst>
-          </a:prstGeom>
-          <a:solidFill>
-            <a:schemeClr val="accent2"/>
-          </a:solidFill>
-        </p:spPr>
-        <p:style>
-          <a:lnRef idx="2">
-            <a:schemeClr val="accent1">
-              <a:shade val="50000"/>
-            </a:schemeClr>
-          </a:lnRef>
-          <a:fillRef idx="1">
-            <a:schemeClr val="accent1"/>
-          </a:fillRef>
-          <a:effectRef idx="0">
-            <a:schemeClr val="accent1"/>
-          </a:effectRef>
-          <a:fontRef idx="minor">
-            <a:schemeClr val="lt1"/>
-          </a:fontRef>
-        </p:style>
-        <p:txBody>
-          <a:bodyPr rtlCol="0" anchor="ctr"/>
-          <a:lstStyle/>
-          <a:p>
-            <a:pPr algn="ctr"/>
-            <a:r>
-              <a:rPr lang="en-US" sz="1200" dirty="0"/>
-              <a:t>An outlet which contains child component</a:t>
-            </a:r>
-          </a:p>
-        </p:txBody>
-      </p:sp>
-      <p:sp>
-        <p:nvSpPr>
           <p:cNvPr id="11" name="Rectangle 10"/>
           <p:cNvSpPr/>
           <p:nvPr/>
@@ -12500,6 +12442,59 @@
             <a:r>
               <a:rPr lang="en-US" sz="1200" dirty="0"/>
               <a:t>This is a relative path too !!!</a:t>
+            </a:r>
+          </a:p>
+        </p:txBody>
+      </p:sp>
+      <p:sp>
+        <p:nvSpPr>
+          <p:cNvPr id="9" name="Line Callout 2 6"/>
+          <p:cNvSpPr/>
+          <p:nvPr/>
+        </p:nvSpPr>
+        <p:spPr>
+          <a:xfrm>
+            <a:off x="5796136" y="5893720"/>
+            <a:ext cx="1656184" cy="583279"/>
+          </a:xfrm>
+          <a:prstGeom prst="borderCallout2">
+            <a:avLst>
+              <a:gd name="adj1" fmla="val -17023"/>
+              <a:gd name="adj2" fmla="val 46922"/>
+              <a:gd name="adj3" fmla="val -18076"/>
+              <a:gd name="adj4" fmla="val 62699"/>
+              <a:gd name="adj5" fmla="val -310439"/>
+              <a:gd name="adj6" fmla="val -175352"/>
+            </a:avLst>
+          </a:prstGeom>
+          <a:solidFill>
+            <a:schemeClr val="accent2"/>
+          </a:solidFill>
+        </p:spPr>
+        <p:style>
+          <a:lnRef idx="2">
+            <a:schemeClr val="accent1">
+              <a:shade val="50000"/>
+            </a:schemeClr>
+          </a:lnRef>
+          <a:fillRef idx="1">
+            <a:schemeClr val="accent1"/>
+          </a:fillRef>
+          <a:effectRef idx="0">
+            <a:schemeClr val="accent1"/>
+          </a:effectRef>
+          <a:fontRef idx="minor">
+            <a:schemeClr val="lt1"/>
+          </a:fontRef>
+        </p:style>
+        <p:txBody>
+          <a:bodyPr rtlCol="0" anchor="ctr"/>
+          <a:lstStyle/>
+          <a:p>
+            <a:pPr algn="ctr"/>
+            <a:r>
+              <a:rPr lang="en-US" sz="1200" dirty="0"/>
+              <a:t>An outlet which contains child component</a:t>
             </a:r>
           </a:p>
         </p:txBody>
@@ -22874,7 +22869,7 @@
           <a:p>
             <a:r>
               <a:rPr lang="en-US" dirty="0"/>
-              <a:t>An aspect is usually marinated outside of the component </a:t>
+              <a:t>An aspect is usually managed outside of the component </a:t>
             </a:r>
             <a:r>
               <a:rPr lang="en-US" dirty="0">
@@ -23971,7 +23966,7 @@
         <p:spPr>
           <a:xfrm>
             <a:off x="1998176" y="2865788"/>
-            <a:ext cx="5382344" cy="3416320"/>
+            <a:ext cx="5382344" cy="3231654"/>
           </a:xfrm>
           <a:prstGeom prst="rect">
             <a:avLst/>
@@ -23998,226 +23993,147 @@
                 <a:ea typeface="Calibri" panose="020F0502020204030204" pitchFamily="34" charset="0"/>
                 <a:cs typeface="Arial" panose="020B0604020202020204" pitchFamily="34" charset="0"/>
               </a:rPr>
-              <a:t>export </a:t>
+              <a:t>export const </a:t>
+            </a:r>
+            <a:r>
+              <a:rPr lang="en-US" sz="1200" dirty="0">
+                <a:solidFill>
+                  <a:srgbClr val="458383"/>
+                </a:solidFill>
+                <a:latin typeface="Calibri" panose="020F0502020204030204" pitchFamily="34" charset="0"/>
+                <a:ea typeface="Calibri" panose="020F0502020204030204" pitchFamily="34" charset="0"/>
+                <a:cs typeface="Arial" panose="020B0604020202020204" pitchFamily="34" charset="0"/>
+              </a:rPr>
+              <a:t>routes</a:t>
+            </a:r>
+            <a:r>
+              <a:rPr lang="en-US" sz="1200" dirty="0">
+                <a:solidFill>
+                  <a:srgbClr val="000000"/>
+                </a:solidFill>
+                <a:latin typeface="Calibri" panose="020F0502020204030204" pitchFamily="34" charset="0"/>
+                <a:ea typeface="Calibri" panose="020F0502020204030204" pitchFamily="34" charset="0"/>
+                <a:cs typeface="Arial" panose="020B0604020202020204" pitchFamily="34" charset="0"/>
+              </a:rPr>
+              <a:t>: Routes = [</a:t>
+            </a:r>
+            <a:br>
+              <a:rPr lang="en-US" sz="1200" dirty="0">
+                <a:solidFill>
+                  <a:srgbClr val="000000"/>
+                </a:solidFill>
+                <a:latin typeface="Calibri" panose="020F0502020204030204" pitchFamily="34" charset="0"/>
+                <a:ea typeface="Calibri" panose="020F0502020204030204" pitchFamily="34" charset="0"/>
+                <a:cs typeface="Arial" panose="020B0604020202020204" pitchFamily="34" charset="0"/>
+              </a:rPr>
+            </a:br>
+            <a:r>
+              <a:rPr lang="en-US" sz="1200" dirty="0">
+                <a:solidFill>
+                  <a:srgbClr val="000000"/>
+                </a:solidFill>
+                <a:latin typeface="Calibri" panose="020F0502020204030204" pitchFamily="34" charset="0"/>
+                <a:ea typeface="Calibri" panose="020F0502020204030204" pitchFamily="34" charset="0"/>
+                <a:cs typeface="Arial" panose="020B0604020202020204" pitchFamily="34" charset="0"/>
+              </a:rPr>
+              <a:t>    {</a:t>
+            </a:r>
+            <a:br>
+              <a:rPr lang="en-US" sz="1200" dirty="0">
+                <a:solidFill>
+                  <a:srgbClr val="000000"/>
+                </a:solidFill>
+                <a:latin typeface="Calibri" panose="020F0502020204030204" pitchFamily="34" charset="0"/>
+                <a:ea typeface="Calibri" panose="020F0502020204030204" pitchFamily="34" charset="0"/>
+                <a:cs typeface="Arial" panose="020B0604020202020204" pitchFamily="34" charset="0"/>
+              </a:rPr>
+            </a:br>
+            <a:r>
+              <a:rPr lang="en-US" sz="1200" dirty="0">
+                <a:solidFill>
+                  <a:srgbClr val="000000"/>
+                </a:solidFill>
+                <a:latin typeface="Calibri" panose="020F0502020204030204" pitchFamily="34" charset="0"/>
+                <a:ea typeface="Calibri" panose="020F0502020204030204" pitchFamily="34" charset="0"/>
+                <a:cs typeface="Arial" panose="020B0604020202020204" pitchFamily="34" charset="0"/>
+              </a:rPr>
+              <a:t>        </a:t>
+            </a:r>
+            <a:r>
+              <a:rPr lang="en-US" sz="1200" b="1" dirty="0">
+                <a:solidFill>
+                  <a:srgbClr val="660E7A"/>
+                </a:solidFill>
+                <a:latin typeface="Calibri" panose="020F0502020204030204" pitchFamily="34" charset="0"/>
+                <a:ea typeface="Calibri" panose="020F0502020204030204" pitchFamily="34" charset="0"/>
+                <a:cs typeface="Arial" panose="020B0604020202020204" pitchFamily="34" charset="0"/>
+              </a:rPr>
+              <a:t>path</a:t>
+            </a:r>
+            <a:r>
+              <a:rPr lang="en-US" sz="1200" dirty="0">
+                <a:solidFill>
+                  <a:srgbClr val="000000"/>
+                </a:solidFill>
+                <a:latin typeface="Calibri" panose="020F0502020204030204" pitchFamily="34" charset="0"/>
+                <a:ea typeface="Calibri" panose="020F0502020204030204" pitchFamily="34" charset="0"/>
+                <a:cs typeface="Arial" panose="020B0604020202020204" pitchFamily="34" charset="0"/>
+              </a:rPr>
+              <a:t>: </a:t>
+            </a:r>
+            <a:r>
+              <a:rPr lang="en-US" sz="1200" b="1" dirty="0">
+                <a:solidFill>
+                  <a:srgbClr val="008000"/>
+                </a:solidFill>
+                <a:latin typeface="Calibri" panose="020F0502020204030204" pitchFamily="34" charset="0"/>
+                <a:ea typeface="Calibri" panose="020F0502020204030204" pitchFamily="34" charset="0"/>
+                <a:cs typeface="Arial" panose="020B0604020202020204" pitchFamily="34" charset="0"/>
+              </a:rPr>
+              <a:t>""</a:t>
+            </a:r>
+            <a:r>
+              <a:rPr lang="en-US" sz="1200" dirty="0">
+                <a:solidFill>
+                  <a:srgbClr val="000000"/>
+                </a:solidFill>
+                <a:latin typeface="Calibri" panose="020F0502020204030204" pitchFamily="34" charset="0"/>
+                <a:ea typeface="Calibri" panose="020F0502020204030204" pitchFamily="34" charset="0"/>
+                <a:cs typeface="Arial" panose="020B0604020202020204" pitchFamily="34" charset="0"/>
+              </a:rPr>
+              <a:t>,</a:t>
+            </a:r>
+            <a:br>
+              <a:rPr lang="en-US" sz="1200" dirty="0">
+                <a:solidFill>
+                  <a:srgbClr val="000000"/>
+                </a:solidFill>
+                <a:latin typeface="Calibri" panose="020F0502020204030204" pitchFamily="34" charset="0"/>
+                <a:ea typeface="Calibri" panose="020F0502020204030204" pitchFamily="34" charset="0"/>
+                <a:cs typeface="Arial" panose="020B0604020202020204" pitchFamily="34" charset="0"/>
+              </a:rPr>
+            </a:br>
+            <a:r>
+              <a:rPr lang="en-US" sz="1200" dirty="0">
+                <a:solidFill>
+                  <a:srgbClr val="000000"/>
+                </a:solidFill>
+                <a:latin typeface="Calibri" panose="020F0502020204030204" pitchFamily="34" charset="0"/>
+                <a:ea typeface="Calibri" panose="020F0502020204030204" pitchFamily="34" charset="0"/>
+                <a:cs typeface="Arial" panose="020B0604020202020204" pitchFamily="34" charset="0"/>
+              </a:rPr>
+              <a:t>        </a:t>
             </a:r>
             <a:r>
               <a:rPr lang="en-US" sz="1200" b="1" dirty="0" err="1">
                 <a:solidFill>
-                  <a:srgbClr val="000080"/>
-                </a:solidFill>
-                <a:latin typeface="Calibri" panose="020F0502020204030204" pitchFamily="34" charset="0"/>
-                <a:ea typeface="Calibri" panose="020F0502020204030204" pitchFamily="34" charset="0"/>
-                <a:cs typeface="Arial" panose="020B0604020202020204" pitchFamily="34" charset="0"/>
-              </a:rPr>
-              <a:t>const</a:t>
-            </a:r>
-            <a:r>
-              <a:rPr lang="en-US" sz="1200" b="1" dirty="0">
-                <a:solidFill>
-                  <a:srgbClr val="000080"/>
-                </a:solidFill>
-                <a:latin typeface="Calibri" panose="020F0502020204030204" pitchFamily="34" charset="0"/>
-                <a:ea typeface="Calibri" panose="020F0502020204030204" pitchFamily="34" charset="0"/>
-                <a:cs typeface="Arial" panose="020B0604020202020204" pitchFamily="34" charset="0"/>
-              </a:rPr>
-              <a:t> </a:t>
-            </a:r>
-            <a:r>
-              <a:rPr lang="en-US" sz="1200" dirty="0">
-                <a:solidFill>
-                  <a:srgbClr val="458383"/>
-                </a:solidFill>
-                <a:latin typeface="Calibri" panose="020F0502020204030204" pitchFamily="34" charset="0"/>
-                <a:ea typeface="Calibri" panose="020F0502020204030204" pitchFamily="34" charset="0"/>
-                <a:cs typeface="Arial" panose="020B0604020202020204" pitchFamily="34" charset="0"/>
-              </a:rPr>
-              <a:t>routes</a:t>
-            </a:r>
-            <a:r>
-              <a:rPr lang="en-US" sz="1200" dirty="0">
-                <a:solidFill>
-                  <a:srgbClr val="000000"/>
-                </a:solidFill>
-                <a:latin typeface="Calibri" panose="020F0502020204030204" pitchFamily="34" charset="0"/>
-                <a:ea typeface="Calibri" panose="020F0502020204030204" pitchFamily="34" charset="0"/>
-                <a:cs typeface="Arial" panose="020B0604020202020204" pitchFamily="34" charset="0"/>
-              </a:rPr>
-              <a:t>: Routes = [</a:t>
-            </a:r>
-            <a:br>
-              <a:rPr lang="en-US" sz="1200" dirty="0">
-                <a:solidFill>
-                  <a:srgbClr val="000000"/>
-                </a:solidFill>
-                <a:latin typeface="Calibri" panose="020F0502020204030204" pitchFamily="34" charset="0"/>
-                <a:ea typeface="Calibri" panose="020F0502020204030204" pitchFamily="34" charset="0"/>
-                <a:cs typeface="Arial" panose="020B0604020202020204" pitchFamily="34" charset="0"/>
-              </a:rPr>
-            </a:br>
-            <a:r>
-              <a:rPr lang="en-US" sz="1200" dirty="0">
-                <a:solidFill>
-                  <a:srgbClr val="000000"/>
-                </a:solidFill>
-                <a:latin typeface="Calibri" panose="020F0502020204030204" pitchFamily="34" charset="0"/>
-                <a:ea typeface="Calibri" panose="020F0502020204030204" pitchFamily="34" charset="0"/>
-                <a:cs typeface="Arial" panose="020B0604020202020204" pitchFamily="34" charset="0"/>
-              </a:rPr>
-              <a:t>    {</a:t>
-            </a:r>
-            <a:br>
-              <a:rPr lang="en-US" sz="1200" dirty="0">
-                <a:solidFill>
-                  <a:srgbClr val="000000"/>
-                </a:solidFill>
-                <a:latin typeface="Calibri" panose="020F0502020204030204" pitchFamily="34" charset="0"/>
-                <a:ea typeface="Calibri" panose="020F0502020204030204" pitchFamily="34" charset="0"/>
-                <a:cs typeface="Arial" panose="020B0604020202020204" pitchFamily="34" charset="0"/>
-              </a:rPr>
-            </a:br>
-            <a:r>
-              <a:rPr lang="en-US" sz="1200" dirty="0">
-                <a:solidFill>
-                  <a:srgbClr val="000000"/>
-                </a:solidFill>
-                <a:latin typeface="Calibri" panose="020F0502020204030204" pitchFamily="34" charset="0"/>
-                <a:ea typeface="Calibri" panose="020F0502020204030204" pitchFamily="34" charset="0"/>
-                <a:cs typeface="Arial" panose="020B0604020202020204" pitchFamily="34" charset="0"/>
-              </a:rPr>
-              <a:t>        </a:t>
-            </a:r>
-            <a:r>
-              <a:rPr lang="en-US" sz="1200" b="1" dirty="0">
-                <a:solidFill>
                   <a:srgbClr val="660E7A"/>
                 </a:solidFill>
                 <a:latin typeface="Calibri" panose="020F0502020204030204" pitchFamily="34" charset="0"/>
                 <a:ea typeface="Calibri" panose="020F0502020204030204" pitchFamily="34" charset="0"/>
                 <a:cs typeface="Arial" panose="020B0604020202020204" pitchFamily="34" charset="0"/>
               </a:rPr>
-              <a:t>path</a:t>
-            </a:r>
-            <a:r>
-              <a:rPr lang="en-US" sz="1200" dirty="0">
-                <a:solidFill>
-                  <a:srgbClr val="000000"/>
-                </a:solidFill>
-                <a:latin typeface="Calibri" panose="020F0502020204030204" pitchFamily="34" charset="0"/>
-                <a:ea typeface="Calibri" panose="020F0502020204030204" pitchFamily="34" charset="0"/>
-                <a:cs typeface="Arial" panose="020B0604020202020204" pitchFamily="34" charset="0"/>
-              </a:rPr>
-              <a:t>: </a:t>
-            </a:r>
-            <a:r>
-              <a:rPr lang="en-US" sz="1200" b="1" dirty="0">
-                <a:solidFill>
-                  <a:srgbClr val="008000"/>
-                </a:solidFill>
-                <a:latin typeface="Calibri" panose="020F0502020204030204" pitchFamily="34" charset="0"/>
-                <a:ea typeface="Calibri" panose="020F0502020204030204" pitchFamily="34" charset="0"/>
-                <a:cs typeface="Arial" panose="020B0604020202020204" pitchFamily="34" charset="0"/>
-              </a:rPr>
-              <a:t>""</a:t>
-            </a:r>
-            <a:r>
-              <a:rPr lang="en-US" sz="1200" dirty="0">
-                <a:solidFill>
-                  <a:srgbClr val="000000"/>
-                </a:solidFill>
-                <a:latin typeface="Calibri" panose="020F0502020204030204" pitchFamily="34" charset="0"/>
-                <a:ea typeface="Calibri" panose="020F0502020204030204" pitchFamily="34" charset="0"/>
-                <a:cs typeface="Arial" panose="020B0604020202020204" pitchFamily="34" charset="0"/>
-              </a:rPr>
-              <a:t>,</a:t>
-            </a:r>
-            <a:br>
-              <a:rPr lang="en-US" sz="1200" dirty="0">
-                <a:solidFill>
-                  <a:srgbClr val="000000"/>
-                </a:solidFill>
-                <a:latin typeface="Calibri" panose="020F0502020204030204" pitchFamily="34" charset="0"/>
-                <a:ea typeface="Calibri" panose="020F0502020204030204" pitchFamily="34" charset="0"/>
-                <a:cs typeface="Arial" panose="020B0604020202020204" pitchFamily="34" charset="0"/>
-              </a:rPr>
-            </a:br>
-            <a:r>
-              <a:rPr lang="en-US" sz="1200" dirty="0">
-                <a:solidFill>
-                  <a:srgbClr val="000000"/>
-                </a:solidFill>
-                <a:latin typeface="Calibri" panose="020F0502020204030204" pitchFamily="34" charset="0"/>
-                <a:ea typeface="Calibri" panose="020F0502020204030204" pitchFamily="34" charset="0"/>
-                <a:cs typeface="Arial" panose="020B0604020202020204" pitchFamily="34" charset="0"/>
-              </a:rPr>
-              <a:t>        </a:t>
-            </a:r>
-            <a:r>
-              <a:rPr lang="en-US" sz="1200" b="1" dirty="0" err="1">
-                <a:solidFill>
-                  <a:srgbClr val="660E7A"/>
-                </a:solidFill>
-                <a:latin typeface="Calibri" panose="020F0502020204030204" pitchFamily="34" charset="0"/>
-                <a:ea typeface="Calibri" panose="020F0502020204030204" pitchFamily="34" charset="0"/>
-                <a:cs typeface="Arial" panose="020B0604020202020204" pitchFamily="34" charset="0"/>
-              </a:rPr>
               <a:t>canActivate</a:t>
-            </a:r>
-            <a:r>
-              <a:rPr lang="en-US" sz="1200" dirty="0">
-                <a:solidFill>
-                  <a:srgbClr val="000000"/>
-                </a:solidFill>
-                <a:latin typeface="Calibri" panose="020F0502020204030204" pitchFamily="34" charset="0"/>
-                <a:ea typeface="Calibri" panose="020F0502020204030204" pitchFamily="34" charset="0"/>
-                <a:cs typeface="Arial" panose="020B0604020202020204" pitchFamily="34" charset="0"/>
-              </a:rPr>
-              <a:t>: [</a:t>
-            </a:r>
-            <a:r>
-              <a:rPr lang="en-US" sz="1200" dirty="0" err="1">
-                <a:solidFill>
-                  <a:srgbClr val="000000"/>
-                </a:solidFill>
-                <a:latin typeface="Calibri" panose="020F0502020204030204" pitchFamily="34" charset="0"/>
-                <a:ea typeface="Calibri" panose="020F0502020204030204" pitchFamily="34" charset="0"/>
-                <a:cs typeface="Arial" panose="020B0604020202020204" pitchFamily="34" charset="0"/>
-              </a:rPr>
-              <a:t>AuthorizeGuard</a:t>
-            </a:r>
-            <a:r>
-              <a:rPr lang="en-US" sz="1200" dirty="0">
-                <a:solidFill>
-                  <a:srgbClr val="000000"/>
-                </a:solidFill>
-                <a:latin typeface="Calibri" panose="020F0502020204030204" pitchFamily="34" charset="0"/>
-                <a:ea typeface="Calibri" panose="020F0502020204030204" pitchFamily="34" charset="0"/>
-                <a:cs typeface="Arial" panose="020B0604020202020204" pitchFamily="34" charset="0"/>
-              </a:rPr>
-              <a:t>],</a:t>
-            </a:r>
-          </a:p>
-          <a:p>
-            <a:r>
-              <a:rPr lang="en-US" sz="1200" dirty="0">
-                <a:solidFill>
-                  <a:srgbClr val="000000"/>
-                </a:solidFill>
-                <a:latin typeface="Calibri" panose="020F0502020204030204" pitchFamily="34" charset="0"/>
-                <a:ea typeface="Calibri" panose="020F0502020204030204" pitchFamily="34" charset="0"/>
-                <a:cs typeface="Arial" panose="020B0604020202020204" pitchFamily="34" charset="0"/>
-              </a:rPr>
-              <a:t>        </a:t>
-            </a:r>
-            <a:r>
-              <a:rPr lang="en-US" sz="1200" b="1" dirty="0" err="1">
-                <a:solidFill>
-                  <a:srgbClr val="660E7A"/>
-                </a:solidFill>
-                <a:latin typeface="Calibri" panose="020F0502020204030204" pitchFamily="34" charset="0"/>
-                <a:ea typeface="Calibri" panose="020F0502020204030204" pitchFamily="34" charset="0"/>
-                <a:cs typeface="Arial" panose="020B0604020202020204" pitchFamily="34" charset="0"/>
-              </a:rPr>
-              <a:t>canActivateChild</a:t>
             </a:r>
             <a:r>
               <a:rPr lang="en-US" sz="1200" dirty="0">
@@ -27775,7 +27691,7 @@
           <a:p>
             <a:r>
               <a:rPr lang="en-US" dirty="0"/>
-              <a:t>Route</a:t>
+              <a:t>Summary</a:t>
             </a:r>
             <a:endParaRPr lang="he-IL" dirty="0"/>
           </a:p>
@@ -27832,1121 +27748,6 @@
       </p:sp>
       <p:sp>
         <p:nvSpPr>
-          <p:cNvPr id="6" name="Rectangle 5"/>
-          <p:cNvSpPr/>
-          <p:nvPr/>
-        </p:nvSpPr>
-        <p:spPr>
-          <a:xfrm>
-            <a:off x="1403648" y="1916832"/>
-            <a:ext cx="6480720" cy="4278094"/>
-          </a:xfrm>
-          <a:prstGeom prst="rect">
-            <a:avLst/>
-          </a:prstGeom>
-        </p:spPr>
-        <p:txBody>
-          <a:bodyPr wrap="square">
-            <a:spAutoFit/>
-          </a:bodyPr>
-          <a:lstStyle/>
-          <a:p>
-            <a:r>
-              <a:rPr lang="en-US" sz="1600" b="1" dirty="0">
-                <a:solidFill>
-                  <a:srgbClr val="000080"/>
-                </a:solidFill>
-                <a:latin typeface="Courier New" panose="02070309020205020404" pitchFamily="49" charset="0"/>
-                <a:ea typeface="Times New Roman" panose="02020603050405020304" pitchFamily="18" charset="0"/>
-              </a:rPr>
-              <a:t>export interface </a:t>
-            </a:r>
-            <a:r>
-              <a:rPr lang="en-US" sz="1600" dirty="0">
-                <a:solidFill>
-                  <a:srgbClr val="000000"/>
-                </a:solidFill>
-                <a:latin typeface="Courier New" panose="02070309020205020404" pitchFamily="49" charset="0"/>
-                <a:ea typeface="Times New Roman" panose="02020603050405020304" pitchFamily="18" charset="0"/>
-              </a:rPr>
-              <a:t>Route {</a:t>
-            </a:r>
-            <a:br>
-              <a:rPr lang="en-US" sz="1600" dirty="0">
-                <a:solidFill>
-                  <a:srgbClr val="000000"/>
-                </a:solidFill>
-                <a:latin typeface="Courier New" panose="02070309020205020404" pitchFamily="49" charset="0"/>
-                <a:ea typeface="Times New Roman" panose="02020603050405020304" pitchFamily="18" charset="0"/>
-              </a:rPr>
-            </a:br>
-            <a:r>
-              <a:rPr lang="en-US" sz="1600" dirty="0">
-                <a:solidFill>
-                  <a:srgbClr val="000000"/>
-                </a:solidFill>
-                <a:latin typeface="Courier New" panose="02070309020205020404" pitchFamily="49" charset="0"/>
-                <a:ea typeface="Times New Roman" panose="02020603050405020304" pitchFamily="18" charset="0"/>
-              </a:rPr>
-              <a:t>    </a:t>
-            </a:r>
-            <a:r>
-              <a:rPr lang="en-US" sz="1600" b="1" dirty="0">
-                <a:solidFill>
-                  <a:srgbClr val="660E7A"/>
-                </a:solidFill>
-                <a:latin typeface="Courier New" panose="02070309020205020404" pitchFamily="49" charset="0"/>
-                <a:ea typeface="Times New Roman" panose="02020603050405020304" pitchFamily="18" charset="0"/>
-              </a:rPr>
-              <a:t>path</a:t>
-            </a:r>
-            <a:r>
-              <a:rPr lang="en-US" sz="1600" dirty="0">
-                <a:solidFill>
-                  <a:srgbClr val="000000"/>
-                </a:solidFill>
-                <a:latin typeface="Courier New" panose="02070309020205020404" pitchFamily="49" charset="0"/>
-                <a:ea typeface="Times New Roman" panose="02020603050405020304" pitchFamily="18" charset="0"/>
-              </a:rPr>
-              <a:t>?: </a:t>
-            </a:r>
-            <a:r>
-              <a:rPr lang="en-US" sz="1600" b="1" dirty="0">
-                <a:solidFill>
-                  <a:srgbClr val="000080"/>
-                </a:solidFill>
-                <a:latin typeface="Courier New" panose="02070309020205020404" pitchFamily="49" charset="0"/>
-                <a:ea typeface="Times New Roman" panose="02020603050405020304" pitchFamily="18" charset="0"/>
-              </a:rPr>
-              <a:t>string</a:t>
-            </a:r>
-            <a:r>
-              <a:rPr lang="en-US" sz="1600" dirty="0">
-                <a:solidFill>
-                  <a:srgbClr val="000000"/>
-                </a:solidFill>
-                <a:latin typeface="Courier New" panose="02070309020205020404" pitchFamily="49" charset="0"/>
-                <a:ea typeface="Times New Roman" panose="02020603050405020304" pitchFamily="18" charset="0"/>
-              </a:rPr>
-              <a:t>;</a:t>
-            </a:r>
-            <a:br>
-              <a:rPr lang="en-US" sz="1600" dirty="0">
-                <a:solidFill>
-                  <a:srgbClr val="000000"/>
-                </a:solidFill>
-                <a:latin typeface="Courier New" panose="02070309020205020404" pitchFamily="49" charset="0"/>
-                <a:ea typeface="Times New Roman" panose="02020603050405020304" pitchFamily="18" charset="0"/>
-              </a:rPr>
-            </a:br>
-            <a:r>
-              <a:rPr lang="en-US" sz="1600" dirty="0">
-                <a:solidFill>
-                  <a:srgbClr val="000000"/>
-                </a:solidFill>
-                <a:latin typeface="Courier New" panose="02070309020205020404" pitchFamily="49" charset="0"/>
-                <a:ea typeface="Times New Roman" panose="02020603050405020304" pitchFamily="18" charset="0"/>
-              </a:rPr>
-              <a:t>    </a:t>
-            </a:r>
-            <a:r>
-              <a:rPr lang="en-US" sz="1600" b="1" dirty="0" err="1">
-                <a:solidFill>
-                  <a:srgbClr val="660E7A"/>
-                </a:solidFill>
-                <a:latin typeface="Courier New" panose="02070309020205020404" pitchFamily="49" charset="0"/>
-                <a:ea typeface="Times New Roman" panose="02020603050405020304" pitchFamily="18" charset="0"/>
-              </a:rPr>
-              <a:t>pathMatch</a:t>
-            </a:r>
-            <a:r>
-              <a:rPr lang="en-US" sz="1600" dirty="0">
-                <a:solidFill>
-                  <a:srgbClr val="000000"/>
-                </a:solidFill>
-                <a:latin typeface="Courier New" panose="02070309020205020404" pitchFamily="49" charset="0"/>
-                <a:ea typeface="Times New Roman" panose="02020603050405020304" pitchFamily="18" charset="0"/>
-              </a:rPr>
-              <a:t>?: </a:t>
-            </a:r>
-            <a:r>
-              <a:rPr lang="en-US" sz="1600" b="1" dirty="0">
-                <a:solidFill>
-                  <a:srgbClr val="000080"/>
-                </a:solidFill>
-                <a:latin typeface="Courier New" panose="02070309020205020404" pitchFamily="49" charset="0"/>
-                <a:ea typeface="Times New Roman" panose="02020603050405020304" pitchFamily="18" charset="0"/>
-              </a:rPr>
-              <a:t>string</a:t>
-            </a:r>
-            <a:r>
-              <a:rPr lang="en-US" sz="1600" dirty="0">
-                <a:solidFill>
-                  <a:srgbClr val="000000"/>
-                </a:solidFill>
-                <a:latin typeface="Courier New" panose="02070309020205020404" pitchFamily="49" charset="0"/>
-                <a:ea typeface="Times New Roman" panose="02020603050405020304" pitchFamily="18" charset="0"/>
-              </a:rPr>
-              <a:t>;</a:t>
-            </a:r>
-            <a:br>
-              <a:rPr lang="en-US" sz="1600" dirty="0">
-                <a:solidFill>
-                  <a:srgbClr val="000000"/>
-                </a:solidFill>
-                <a:latin typeface="Courier New" panose="02070309020205020404" pitchFamily="49" charset="0"/>
-                <a:ea typeface="Times New Roman" panose="02020603050405020304" pitchFamily="18" charset="0"/>
-              </a:rPr>
-            </a:br>
-            <a:r>
-              <a:rPr lang="en-US" sz="1600" dirty="0">
-                <a:solidFill>
-                  <a:srgbClr val="000000"/>
-                </a:solidFill>
-                <a:latin typeface="Courier New" panose="02070309020205020404" pitchFamily="49" charset="0"/>
-                <a:ea typeface="Times New Roman" panose="02020603050405020304" pitchFamily="18" charset="0"/>
-              </a:rPr>
-              <a:t>    </a:t>
-            </a:r>
-            <a:r>
-              <a:rPr lang="en-US" sz="1600" b="1" dirty="0">
-                <a:solidFill>
-                  <a:srgbClr val="660E7A"/>
-                </a:solidFill>
-                <a:latin typeface="Courier New" panose="02070309020205020404" pitchFamily="49" charset="0"/>
-                <a:ea typeface="Times New Roman" panose="02020603050405020304" pitchFamily="18" charset="0"/>
-              </a:rPr>
-              <a:t>matcher</a:t>
-            </a:r>
-            <a:r>
-              <a:rPr lang="en-US" sz="1600" dirty="0">
-                <a:solidFill>
-                  <a:srgbClr val="000000"/>
-                </a:solidFill>
-                <a:latin typeface="Courier New" panose="02070309020205020404" pitchFamily="49" charset="0"/>
-                <a:ea typeface="Times New Roman" panose="02020603050405020304" pitchFamily="18" charset="0"/>
-              </a:rPr>
-              <a:t>?: </a:t>
-            </a:r>
-            <a:r>
-              <a:rPr lang="en-US" sz="1600" dirty="0" err="1">
-                <a:solidFill>
-                  <a:srgbClr val="000000"/>
-                </a:solidFill>
-                <a:latin typeface="Courier New" panose="02070309020205020404" pitchFamily="49" charset="0"/>
-                <a:ea typeface="Times New Roman" panose="02020603050405020304" pitchFamily="18" charset="0"/>
-              </a:rPr>
-              <a:t>UrlMatcher</a:t>
-            </a:r>
-            <a:r>
-              <a:rPr lang="en-US" sz="1600" dirty="0">
-                <a:solidFill>
-                  <a:srgbClr val="000000"/>
-                </a:solidFill>
-                <a:latin typeface="Courier New" panose="02070309020205020404" pitchFamily="49" charset="0"/>
-                <a:ea typeface="Times New Roman" panose="02020603050405020304" pitchFamily="18" charset="0"/>
-              </a:rPr>
-              <a:t>;</a:t>
-            </a:r>
-            <a:br>
-              <a:rPr lang="en-US" sz="1600" dirty="0">
-                <a:solidFill>
-                  <a:srgbClr val="000000"/>
-                </a:solidFill>
-                <a:latin typeface="Courier New" panose="02070309020205020404" pitchFamily="49" charset="0"/>
-                <a:ea typeface="Times New Roman" panose="02020603050405020304" pitchFamily="18" charset="0"/>
-              </a:rPr>
-            </a:br>
-            <a:r>
-              <a:rPr lang="en-US" sz="1600" dirty="0">
-                <a:solidFill>
-                  <a:srgbClr val="000000"/>
-                </a:solidFill>
-                <a:latin typeface="Courier New" panose="02070309020205020404" pitchFamily="49" charset="0"/>
-                <a:ea typeface="Times New Roman" panose="02020603050405020304" pitchFamily="18" charset="0"/>
-              </a:rPr>
-              <a:t>    </a:t>
-            </a:r>
-            <a:r>
-              <a:rPr lang="en-US" sz="1600" b="1" dirty="0">
-                <a:solidFill>
-                  <a:srgbClr val="660E7A"/>
-                </a:solidFill>
-                <a:latin typeface="Courier New" panose="02070309020205020404" pitchFamily="49" charset="0"/>
-                <a:ea typeface="Times New Roman" panose="02020603050405020304" pitchFamily="18" charset="0"/>
-              </a:rPr>
-              <a:t>component</a:t>
-            </a:r>
-            <a:r>
-              <a:rPr lang="en-US" sz="1600" dirty="0">
-                <a:solidFill>
-                  <a:srgbClr val="000000"/>
-                </a:solidFill>
-                <a:latin typeface="Courier New" panose="02070309020205020404" pitchFamily="49" charset="0"/>
-                <a:ea typeface="Times New Roman" panose="02020603050405020304" pitchFamily="18" charset="0"/>
-              </a:rPr>
-              <a:t>?: Type&lt;</a:t>
-            </a:r>
-            <a:r>
-              <a:rPr lang="en-US" sz="1600" b="1" dirty="0">
-                <a:solidFill>
-                  <a:srgbClr val="000080"/>
-                </a:solidFill>
-                <a:latin typeface="Courier New" panose="02070309020205020404" pitchFamily="49" charset="0"/>
-                <a:ea typeface="Times New Roman" panose="02020603050405020304" pitchFamily="18" charset="0"/>
-              </a:rPr>
-              <a:t>any</a:t>
-            </a:r>
-            <a:r>
-              <a:rPr lang="en-US" sz="1600" dirty="0">
-                <a:solidFill>
-                  <a:srgbClr val="000000"/>
-                </a:solidFill>
-                <a:latin typeface="Courier New" panose="02070309020205020404" pitchFamily="49" charset="0"/>
-                <a:ea typeface="Times New Roman" panose="02020603050405020304" pitchFamily="18" charset="0"/>
-              </a:rPr>
-              <a:t>&gt;;</a:t>
-            </a:r>
-            <a:br>
-              <a:rPr lang="en-US" sz="1600" dirty="0">
-                <a:solidFill>
-                  <a:srgbClr val="000000"/>
-                </a:solidFill>
-                <a:latin typeface="Courier New" panose="02070309020205020404" pitchFamily="49" charset="0"/>
-                <a:ea typeface="Times New Roman" panose="02020603050405020304" pitchFamily="18" charset="0"/>
-              </a:rPr>
-            </a:br>
-            <a:r>
-              <a:rPr lang="en-US" sz="1600" dirty="0">
-                <a:solidFill>
-                  <a:srgbClr val="000000"/>
-                </a:solidFill>
-                <a:latin typeface="Courier New" panose="02070309020205020404" pitchFamily="49" charset="0"/>
-                <a:ea typeface="Times New Roman" panose="02020603050405020304" pitchFamily="18" charset="0"/>
-              </a:rPr>
-              <a:t>    </a:t>
-            </a:r>
-            <a:r>
-              <a:rPr lang="en-US" sz="1600" b="1" dirty="0" err="1">
-                <a:solidFill>
-                  <a:srgbClr val="660E7A"/>
-                </a:solidFill>
-                <a:latin typeface="Courier New" panose="02070309020205020404" pitchFamily="49" charset="0"/>
-                <a:ea typeface="Times New Roman" panose="02020603050405020304" pitchFamily="18" charset="0"/>
-              </a:rPr>
-              <a:t>redirectTo</a:t>
-            </a:r>
-            <a:r>
-              <a:rPr lang="en-US" sz="1600" dirty="0">
-                <a:solidFill>
-                  <a:srgbClr val="000000"/>
-                </a:solidFill>
-                <a:latin typeface="Courier New" panose="02070309020205020404" pitchFamily="49" charset="0"/>
-                <a:ea typeface="Times New Roman" panose="02020603050405020304" pitchFamily="18" charset="0"/>
-              </a:rPr>
-              <a:t>?: </a:t>
-            </a:r>
-            <a:r>
-              <a:rPr lang="en-US" sz="1600" b="1" dirty="0">
-                <a:solidFill>
-                  <a:srgbClr val="000080"/>
-                </a:solidFill>
-                <a:latin typeface="Courier New" panose="02070309020205020404" pitchFamily="49" charset="0"/>
-                <a:ea typeface="Times New Roman" panose="02020603050405020304" pitchFamily="18" charset="0"/>
-              </a:rPr>
-              <a:t>string</a:t>
-            </a:r>
-            <a:r>
-              <a:rPr lang="en-US" sz="1600" dirty="0">
-                <a:solidFill>
-                  <a:srgbClr val="000000"/>
-                </a:solidFill>
-                <a:latin typeface="Courier New" panose="02070309020205020404" pitchFamily="49" charset="0"/>
-                <a:ea typeface="Times New Roman" panose="02020603050405020304" pitchFamily="18" charset="0"/>
-              </a:rPr>
-              <a:t>;</a:t>
-            </a:r>
-            <a:br>
-              <a:rPr lang="en-US" sz="1600" dirty="0">
-                <a:solidFill>
-                  <a:srgbClr val="000000"/>
-                </a:solidFill>
-                <a:latin typeface="Courier New" panose="02070309020205020404" pitchFamily="49" charset="0"/>
-                <a:ea typeface="Times New Roman" panose="02020603050405020304" pitchFamily="18" charset="0"/>
-              </a:rPr>
-            </a:br>
-            <a:r>
-              <a:rPr lang="en-US" sz="1600" dirty="0">
-                <a:solidFill>
-                  <a:srgbClr val="000000"/>
-                </a:solidFill>
-                <a:latin typeface="Courier New" panose="02070309020205020404" pitchFamily="49" charset="0"/>
-                <a:ea typeface="Times New Roman" panose="02020603050405020304" pitchFamily="18" charset="0"/>
-              </a:rPr>
-              <a:t>    </a:t>
-            </a:r>
-            <a:r>
-              <a:rPr lang="en-US" sz="1600" b="1" dirty="0">
-                <a:solidFill>
-                  <a:srgbClr val="660E7A"/>
-                </a:solidFill>
-                <a:latin typeface="Courier New" panose="02070309020205020404" pitchFamily="49" charset="0"/>
-                <a:ea typeface="Times New Roman" panose="02020603050405020304" pitchFamily="18" charset="0"/>
-              </a:rPr>
-              <a:t>outlet</a:t>
-            </a:r>
-            <a:r>
-              <a:rPr lang="en-US" sz="1600" dirty="0">
-                <a:solidFill>
-                  <a:srgbClr val="000000"/>
-                </a:solidFill>
-                <a:latin typeface="Courier New" panose="02070309020205020404" pitchFamily="49" charset="0"/>
-                <a:ea typeface="Times New Roman" panose="02020603050405020304" pitchFamily="18" charset="0"/>
-              </a:rPr>
-              <a:t>?: </a:t>
-            </a:r>
-            <a:r>
-              <a:rPr lang="en-US" sz="1600" b="1" dirty="0">
-                <a:solidFill>
-                  <a:srgbClr val="000080"/>
-                </a:solidFill>
-                <a:latin typeface="Courier New" panose="02070309020205020404" pitchFamily="49" charset="0"/>
-                <a:ea typeface="Times New Roman" panose="02020603050405020304" pitchFamily="18" charset="0"/>
-              </a:rPr>
-              <a:t>string</a:t>
-            </a:r>
-            <a:r>
-              <a:rPr lang="en-US" sz="1600" dirty="0">
-                <a:solidFill>
-                  <a:srgbClr val="000000"/>
-                </a:solidFill>
-                <a:latin typeface="Courier New" panose="02070309020205020404" pitchFamily="49" charset="0"/>
-                <a:ea typeface="Times New Roman" panose="02020603050405020304" pitchFamily="18" charset="0"/>
-              </a:rPr>
-              <a:t>;</a:t>
-            </a:r>
-            <a:br>
-              <a:rPr lang="en-US" sz="1600" dirty="0">
-                <a:solidFill>
-                  <a:srgbClr val="000000"/>
-                </a:solidFill>
-                <a:latin typeface="Courier New" panose="02070309020205020404" pitchFamily="49" charset="0"/>
-                <a:ea typeface="Times New Roman" panose="02020603050405020304" pitchFamily="18" charset="0"/>
-              </a:rPr>
-            </a:br>
-            <a:r>
-              <a:rPr lang="en-US" sz="1600" dirty="0">
-                <a:solidFill>
-                  <a:srgbClr val="000000"/>
-                </a:solidFill>
-                <a:latin typeface="Courier New" panose="02070309020205020404" pitchFamily="49" charset="0"/>
-                <a:ea typeface="Times New Roman" panose="02020603050405020304" pitchFamily="18" charset="0"/>
-              </a:rPr>
-              <a:t>    </a:t>
-            </a:r>
-            <a:r>
-              <a:rPr lang="en-US" sz="1600" b="1" dirty="0" err="1">
-                <a:solidFill>
-                  <a:srgbClr val="660E7A"/>
-                </a:solidFill>
-                <a:latin typeface="Courier New" panose="02070309020205020404" pitchFamily="49" charset="0"/>
-                <a:ea typeface="Times New Roman" panose="02020603050405020304" pitchFamily="18" charset="0"/>
-              </a:rPr>
-              <a:t>canActivate</a:t>
-            </a:r>
-            <a:r>
-              <a:rPr lang="en-US" sz="1600" dirty="0">
-                <a:solidFill>
-                  <a:srgbClr val="000000"/>
-                </a:solidFill>
-                <a:latin typeface="Courier New" panose="02070309020205020404" pitchFamily="49" charset="0"/>
-                <a:ea typeface="Times New Roman" panose="02020603050405020304" pitchFamily="18" charset="0"/>
-              </a:rPr>
-              <a:t>?: </a:t>
-            </a:r>
-            <a:r>
-              <a:rPr lang="en-US" sz="1600" b="1" dirty="0">
-                <a:solidFill>
-                  <a:srgbClr val="000080"/>
-                </a:solidFill>
-                <a:latin typeface="Courier New" panose="02070309020205020404" pitchFamily="49" charset="0"/>
-                <a:ea typeface="Times New Roman" panose="02020603050405020304" pitchFamily="18" charset="0"/>
-              </a:rPr>
-              <a:t>any</a:t>
-            </a:r>
-            <a:r>
-              <a:rPr lang="en-US" sz="1600" dirty="0">
-                <a:solidFill>
-                  <a:srgbClr val="000000"/>
-                </a:solidFill>
-                <a:latin typeface="Courier New" panose="02070309020205020404" pitchFamily="49" charset="0"/>
-                <a:ea typeface="Times New Roman" panose="02020603050405020304" pitchFamily="18" charset="0"/>
-              </a:rPr>
-              <a:t>[];</a:t>
-            </a:r>
-            <a:br>
-              <a:rPr lang="en-US" sz="1600" dirty="0">
-                <a:solidFill>
-                  <a:srgbClr val="000000"/>
-                </a:solidFill>
-                <a:latin typeface="Courier New" panose="02070309020205020404" pitchFamily="49" charset="0"/>
-                <a:ea typeface="Times New Roman" panose="02020603050405020304" pitchFamily="18" charset="0"/>
-              </a:rPr>
-            </a:br>
-            <a:r>
-              <a:rPr lang="en-US" sz="1600" dirty="0">
-                <a:solidFill>
-                  <a:srgbClr val="000000"/>
-                </a:solidFill>
-                <a:latin typeface="Courier New" panose="02070309020205020404" pitchFamily="49" charset="0"/>
-                <a:ea typeface="Times New Roman" panose="02020603050405020304" pitchFamily="18" charset="0"/>
-              </a:rPr>
-              <a:t>    </a:t>
-            </a:r>
-            <a:r>
-              <a:rPr lang="en-US" sz="1600" b="1" dirty="0" err="1">
-                <a:solidFill>
-                  <a:srgbClr val="660E7A"/>
-                </a:solidFill>
-                <a:latin typeface="Courier New" panose="02070309020205020404" pitchFamily="49" charset="0"/>
-                <a:ea typeface="Times New Roman" panose="02020603050405020304" pitchFamily="18" charset="0"/>
-              </a:rPr>
-              <a:t>canActivateChild</a:t>
-            </a:r>
-            <a:r>
-              <a:rPr lang="en-US" sz="1600" dirty="0">
-                <a:solidFill>
-                  <a:srgbClr val="000000"/>
-                </a:solidFill>
-                <a:latin typeface="Courier New" panose="02070309020205020404" pitchFamily="49" charset="0"/>
-                <a:ea typeface="Times New Roman" panose="02020603050405020304" pitchFamily="18" charset="0"/>
-              </a:rPr>
-              <a:t>?: </a:t>
-            </a:r>
-            <a:r>
-              <a:rPr lang="en-US" sz="1600" b="1" dirty="0">
-                <a:solidFill>
-                  <a:srgbClr val="000080"/>
-                </a:solidFill>
-                <a:latin typeface="Courier New" panose="02070309020205020404" pitchFamily="49" charset="0"/>
-                <a:ea typeface="Times New Roman" panose="02020603050405020304" pitchFamily="18" charset="0"/>
-              </a:rPr>
-              <a:t>any</a:t>
-            </a:r>
-            <a:r>
-              <a:rPr lang="en-US" sz="1600" dirty="0">
-                <a:solidFill>
-                  <a:srgbClr val="000000"/>
-                </a:solidFill>
-                <a:latin typeface="Courier New" panose="02070309020205020404" pitchFamily="49" charset="0"/>
-                <a:ea typeface="Times New Roman" panose="02020603050405020304" pitchFamily="18" charset="0"/>
-              </a:rPr>
-              <a:t>[];</a:t>
-            </a:r>
-            <a:br>
-              <a:rPr lang="en-US" sz="1600" dirty="0">
-                <a:solidFill>
-                  <a:srgbClr val="000000"/>
-                </a:solidFill>
-                <a:latin typeface="Courier New" panose="02070309020205020404" pitchFamily="49" charset="0"/>
-                <a:ea typeface="Times New Roman" panose="02020603050405020304" pitchFamily="18" charset="0"/>
-              </a:rPr>
-            </a:br>
-            <a:r>
-              <a:rPr lang="en-US" sz="1600" dirty="0">
-                <a:solidFill>
-                  <a:srgbClr val="000000"/>
-                </a:solidFill>
-                <a:latin typeface="Courier New" panose="02070309020205020404" pitchFamily="49" charset="0"/>
-                <a:ea typeface="Times New Roman" panose="02020603050405020304" pitchFamily="18" charset="0"/>
-              </a:rPr>
-              <a:t>    </a:t>
-            </a:r>
-            <a:r>
-              <a:rPr lang="en-US" sz="1600" b="1" dirty="0" err="1">
-                <a:solidFill>
-                  <a:srgbClr val="660E7A"/>
-                </a:solidFill>
-                <a:latin typeface="Courier New" panose="02070309020205020404" pitchFamily="49" charset="0"/>
-                <a:ea typeface="Times New Roman" panose="02020603050405020304" pitchFamily="18" charset="0"/>
-              </a:rPr>
-              <a:t>canDeactivate</a:t>
-            </a:r>
-            <a:r>
-              <a:rPr lang="en-US" sz="1600" dirty="0">
-                <a:solidFill>
-                  <a:srgbClr val="000000"/>
-                </a:solidFill>
-                <a:latin typeface="Courier New" panose="02070309020205020404" pitchFamily="49" charset="0"/>
-                <a:ea typeface="Times New Roman" panose="02020603050405020304" pitchFamily="18" charset="0"/>
-              </a:rPr>
-              <a:t>?: </a:t>
-            </a:r>
-            <a:r>
-              <a:rPr lang="en-US" sz="1600" b="1" dirty="0">
-                <a:solidFill>
-                  <a:srgbClr val="000080"/>
-                </a:solidFill>
-                <a:latin typeface="Courier New" panose="02070309020205020404" pitchFamily="49" charset="0"/>
-                <a:ea typeface="Times New Roman" panose="02020603050405020304" pitchFamily="18" charset="0"/>
-              </a:rPr>
-              <a:t>any</a:t>
-            </a:r>
-            <a:r>
-              <a:rPr lang="en-US" sz="1600" dirty="0">
-                <a:solidFill>
-                  <a:srgbClr val="000000"/>
-                </a:solidFill>
-                <a:latin typeface="Courier New" panose="02070309020205020404" pitchFamily="49" charset="0"/>
-                <a:ea typeface="Times New Roman" panose="02020603050405020304" pitchFamily="18" charset="0"/>
-              </a:rPr>
-              <a:t>[];</a:t>
-            </a:r>
-            <a:br>
-              <a:rPr lang="en-US" sz="1600" dirty="0">
-                <a:solidFill>
-                  <a:srgbClr val="000000"/>
-                </a:solidFill>
-                <a:latin typeface="Courier New" panose="02070309020205020404" pitchFamily="49" charset="0"/>
-                <a:ea typeface="Times New Roman" panose="02020603050405020304" pitchFamily="18" charset="0"/>
-              </a:rPr>
-            </a:br>
-            <a:r>
-              <a:rPr lang="en-US" sz="1600" dirty="0">
-                <a:solidFill>
-                  <a:srgbClr val="000000"/>
-                </a:solidFill>
-                <a:latin typeface="Courier New" panose="02070309020205020404" pitchFamily="49" charset="0"/>
-                <a:ea typeface="Times New Roman" panose="02020603050405020304" pitchFamily="18" charset="0"/>
-              </a:rPr>
-              <a:t>    </a:t>
-            </a:r>
-            <a:r>
-              <a:rPr lang="en-US" sz="1600" b="1" dirty="0" err="1">
-                <a:solidFill>
-                  <a:srgbClr val="660E7A"/>
-                </a:solidFill>
-                <a:latin typeface="Courier New" panose="02070309020205020404" pitchFamily="49" charset="0"/>
-                <a:ea typeface="Times New Roman" panose="02020603050405020304" pitchFamily="18" charset="0"/>
-              </a:rPr>
-              <a:t>canLoad</a:t>
-            </a:r>
-            <a:r>
-              <a:rPr lang="en-US" sz="1600" dirty="0">
-                <a:solidFill>
-                  <a:srgbClr val="000000"/>
-                </a:solidFill>
-                <a:latin typeface="Courier New" panose="02070309020205020404" pitchFamily="49" charset="0"/>
-                <a:ea typeface="Times New Roman" panose="02020603050405020304" pitchFamily="18" charset="0"/>
-              </a:rPr>
-              <a:t>?: </a:t>
-            </a:r>
-            <a:r>
-              <a:rPr lang="en-US" sz="1600" b="1" dirty="0">
-                <a:solidFill>
-                  <a:srgbClr val="000080"/>
-                </a:solidFill>
-                <a:latin typeface="Courier New" panose="02070309020205020404" pitchFamily="49" charset="0"/>
-                <a:ea typeface="Times New Roman" panose="02020603050405020304" pitchFamily="18" charset="0"/>
-              </a:rPr>
-              <a:t>any</a:t>
-            </a:r>
-            <a:r>
-              <a:rPr lang="en-US" sz="1600" dirty="0">
-                <a:solidFill>
-                  <a:srgbClr val="000000"/>
-                </a:solidFill>
-                <a:latin typeface="Courier New" panose="02070309020205020404" pitchFamily="49" charset="0"/>
-                <a:ea typeface="Times New Roman" panose="02020603050405020304" pitchFamily="18" charset="0"/>
-              </a:rPr>
-              <a:t>[];</a:t>
-            </a:r>
-            <a:br>
-              <a:rPr lang="en-US" sz="1600" dirty="0">
-                <a:solidFill>
-                  <a:srgbClr val="000000"/>
-                </a:solidFill>
-                <a:latin typeface="Courier New" panose="02070309020205020404" pitchFamily="49" charset="0"/>
-                <a:ea typeface="Times New Roman" panose="02020603050405020304" pitchFamily="18" charset="0"/>
-              </a:rPr>
-            </a:br>
-            <a:r>
-              <a:rPr lang="en-US" sz="1600" dirty="0">
-                <a:solidFill>
-                  <a:srgbClr val="000000"/>
-                </a:solidFill>
-                <a:latin typeface="Courier New" panose="02070309020205020404" pitchFamily="49" charset="0"/>
-                <a:ea typeface="Times New Roman" panose="02020603050405020304" pitchFamily="18" charset="0"/>
-              </a:rPr>
-              <a:t>    </a:t>
-            </a:r>
-            <a:r>
-              <a:rPr lang="en-US" sz="1600" b="1" dirty="0">
-                <a:solidFill>
-                  <a:srgbClr val="660E7A"/>
-                </a:solidFill>
-                <a:latin typeface="Courier New" panose="02070309020205020404" pitchFamily="49" charset="0"/>
-                <a:ea typeface="Times New Roman" panose="02020603050405020304" pitchFamily="18" charset="0"/>
-              </a:rPr>
-              <a:t>data</a:t>
-            </a:r>
-            <a:r>
-              <a:rPr lang="en-US" sz="1600" dirty="0">
-                <a:solidFill>
-                  <a:srgbClr val="000000"/>
-                </a:solidFill>
-                <a:latin typeface="Courier New" panose="02070309020205020404" pitchFamily="49" charset="0"/>
-                <a:ea typeface="Times New Roman" panose="02020603050405020304" pitchFamily="18" charset="0"/>
-              </a:rPr>
-              <a:t>?: Data;</a:t>
-            </a:r>
-            <a:br>
-              <a:rPr lang="en-US" sz="1600" dirty="0">
-                <a:solidFill>
-                  <a:srgbClr val="000000"/>
-                </a:solidFill>
-                <a:latin typeface="Courier New" panose="02070309020205020404" pitchFamily="49" charset="0"/>
-                <a:ea typeface="Times New Roman" panose="02020603050405020304" pitchFamily="18" charset="0"/>
-              </a:rPr>
-            </a:br>
-            <a:r>
-              <a:rPr lang="en-US" sz="1600" dirty="0">
-                <a:solidFill>
-                  <a:srgbClr val="000000"/>
-                </a:solidFill>
-                <a:latin typeface="Courier New" panose="02070309020205020404" pitchFamily="49" charset="0"/>
-                <a:ea typeface="Times New Roman" panose="02020603050405020304" pitchFamily="18" charset="0"/>
-              </a:rPr>
-              <a:t>    </a:t>
-            </a:r>
-            <a:r>
-              <a:rPr lang="en-US" sz="1600" b="1" dirty="0">
-                <a:solidFill>
-                  <a:srgbClr val="660E7A"/>
-                </a:solidFill>
-                <a:latin typeface="Courier New" panose="02070309020205020404" pitchFamily="49" charset="0"/>
-                <a:ea typeface="Times New Roman" panose="02020603050405020304" pitchFamily="18" charset="0"/>
-              </a:rPr>
-              <a:t>resolve</a:t>
-            </a:r>
-            <a:r>
-              <a:rPr lang="en-US" sz="1600" dirty="0">
-                <a:solidFill>
-                  <a:srgbClr val="000000"/>
-                </a:solidFill>
-                <a:latin typeface="Courier New" panose="02070309020205020404" pitchFamily="49" charset="0"/>
-                <a:ea typeface="Times New Roman" panose="02020603050405020304" pitchFamily="18" charset="0"/>
-              </a:rPr>
-              <a:t>?: </a:t>
-            </a:r>
-            <a:r>
-              <a:rPr lang="en-US" sz="1600" dirty="0" err="1">
-                <a:solidFill>
-                  <a:srgbClr val="000000"/>
-                </a:solidFill>
-                <a:latin typeface="Courier New" panose="02070309020205020404" pitchFamily="49" charset="0"/>
-                <a:ea typeface="Times New Roman" panose="02020603050405020304" pitchFamily="18" charset="0"/>
-              </a:rPr>
-              <a:t>ResolveData</a:t>
-            </a:r>
-            <a:r>
-              <a:rPr lang="en-US" sz="1600" dirty="0">
-                <a:solidFill>
-                  <a:srgbClr val="000000"/>
-                </a:solidFill>
-                <a:latin typeface="Courier New" panose="02070309020205020404" pitchFamily="49" charset="0"/>
-                <a:ea typeface="Times New Roman" panose="02020603050405020304" pitchFamily="18" charset="0"/>
-              </a:rPr>
-              <a:t>;</a:t>
-            </a:r>
-            <a:br>
-              <a:rPr lang="en-US" sz="1600" dirty="0">
-                <a:solidFill>
-                  <a:srgbClr val="000000"/>
-                </a:solidFill>
-                <a:latin typeface="Courier New" panose="02070309020205020404" pitchFamily="49" charset="0"/>
-                <a:ea typeface="Times New Roman" panose="02020603050405020304" pitchFamily="18" charset="0"/>
-              </a:rPr>
-            </a:br>
-            <a:r>
-              <a:rPr lang="en-US" sz="1600" dirty="0">
-                <a:solidFill>
-                  <a:srgbClr val="000000"/>
-                </a:solidFill>
-                <a:latin typeface="Courier New" panose="02070309020205020404" pitchFamily="49" charset="0"/>
-                <a:ea typeface="Times New Roman" panose="02020603050405020304" pitchFamily="18" charset="0"/>
-              </a:rPr>
-              <a:t>    </a:t>
-            </a:r>
-            <a:r>
-              <a:rPr lang="en-US" sz="1600" b="1" dirty="0">
-                <a:solidFill>
-                  <a:srgbClr val="660E7A"/>
-                </a:solidFill>
-                <a:latin typeface="Courier New" panose="02070309020205020404" pitchFamily="49" charset="0"/>
-                <a:ea typeface="Times New Roman" panose="02020603050405020304" pitchFamily="18" charset="0"/>
-              </a:rPr>
-              <a:t>children</a:t>
-            </a:r>
-            <a:r>
-              <a:rPr lang="en-US" sz="1600" dirty="0">
-                <a:solidFill>
-                  <a:srgbClr val="000000"/>
-                </a:solidFill>
-                <a:latin typeface="Courier New" panose="02070309020205020404" pitchFamily="49" charset="0"/>
-                <a:ea typeface="Times New Roman" panose="02020603050405020304" pitchFamily="18" charset="0"/>
-              </a:rPr>
-              <a:t>?: Routes;</a:t>
-            </a:r>
-            <a:br>
-              <a:rPr lang="en-US" sz="1600" dirty="0">
-                <a:solidFill>
-                  <a:srgbClr val="000000"/>
-                </a:solidFill>
-                <a:latin typeface="Courier New" panose="02070309020205020404" pitchFamily="49" charset="0"/>
-                <a:ea typeface="Times New Roman" panose="02020603050405020304" pitchFamily="18" charset="0"/>
-              </a:rPr>
-            </a:br>
-            <a:r>
-              <a:rPr lang="en-US" sz="1600" dirty="0">
-                <a:solidFill>
-                  <a:srgbClr val="000000"/>
-                </a:solidFill>
-                <a:latin typeface="Courier New" panose="02070309020205020404" pitchFamily="49" charset="0"/>
-                <a:ea typeface="Times New Roman" panose="02020603050405020304" pitchFamily="18" charset="0"/>
-              </a:rPr>
-              <a:t>    </a:t>
-            </a:r>
-            <a:r>
-              <a:rPr lang="en-US" sz="1600" b="1" dirty="0" err="1">
-                <a:solidFill>
-                  <a:srgbClr val="660E7A"/>
-                </a:solidFill>
-                <a:latin typeface="Courier New" panose="02070309020205020404" pitchFamily="49" charset="0"/>
-                <a:ea typeface="Times New Roman" panose="02020603050405020304" pitchFamily="18" charset="0"/>
-              </a:rPr>
-              <a:t>loadChildren</a:t>
-            </a:r>
-            <a:r>
-              <a:rPr lang="en-US" sz="1600" dirty="0">
-                <a:solidFill>
-                  <a:srgbClr val="000000"/>
-                </a:solidFill>
-                <a:latin typeface="Courier New" panose="02070309020205020404" pitchFamily="49" charset="0"/>
-                <a:ea typeface="Times New Roman" panose="02020603050405020304" pitchFamily="18" charset="0"/>
-              </a:rPr>
-              <a:t>?: </a:t>
-            </a:r>
-            <a:r>
-              <a:rPr lang="en-US" sz="1600" dirty="0" err="1">
-                <a:solidFill>
-                  <a:srgbClr val="000000"/>
-                </a:solidFill>
-                <a:latin typeface="Courier New" panose="02070309020205020404" pitchFamily="49" charset="0"/>
-                <a:ea typeface="Times New Roman" panose="02020603050405020304" pitchFamily="18" charset="0"/>
-              </a:rPr>
-              <a:t>LoadChildren</a:t>
-            </a:r>
-            <a:r>
-              <a:rPr lang="en-US" sz="1600" dirty="0">
-                <a:solidFill>
-                  <a:srgbClr val="000000"/>
-                </a:solidFill>
-                <a:latin typeface="Courier New" panose="02070309020205020404" pitchFamily="49" charset="0"/>
-                <a:ea typeface="Times New Roman" panose="02020603050405020304" pitchFamily="18" charset="0"/>
-              </a:rPr>
-              <a:t>;</a:t>
-            </a:r>
-            <a:br>
-              <a:rPr lang="en-US" sz="1600" dirty="0">
-                <a:solidFill>
-                  <a:srgbClr val="000000"/>
-                </a:solidFill>
-                <a:latin typeface="Courier New" panose="02070309020205020404" pitchFamily="49" charset="0"/>
-                <a:ea typeface="Times New Roman" panose="02020603050405020304" pitchFamily="18" charset="0"/>
-              </a:rPr>
-            </a:br>
-            <a:r>
-              <a:rPr lang="en-US" sz="1600" dirty="0">
-                <a:solidFill>
-                  <a:srgbClr val="000000"/>
-                </a:solidFill>
-                <a:latin typeface="Courier New" panose="02070309020205020404" pitchFamily="49" charset="0"/>
-                <a:ea typeface="Times New Roman" panose="02020603050405020304" pitchFamily="18" charset="0"/>
-              </a:rPr>
-              <a:t>    </a:t>
-            </a:r>
-            <a:r>
-              <a:rPr lang="en-US" sz="1600" b="1" dirty="0" err="1">
-                <a:solidFill>
-                  <a:srgbClr val="660E7A"/>
-                </a:solidFill>
-                <a:latin typeface="Courier New" panose="02070309020205020404" pitchFamily="49" charset="0"/>
-                <a:ea typeface="Times New Roman" panose="02020603050405020304" pitchFamily="18" charset="0"/>
-              </a:rPr>
-              <a:t>runGuardsAndResolvers</a:t>
-            </a:r>
-            <a:r>
-              <a:rPr lang="en-US" sz="1600" dirty="0">
-                <a:solidFill>
-                  <a:srgbClr val="000000"/>
-                </a:solidFill>
-                <a:latin typeface="Courier New" panose="02070309020205020404" pitchFamily="49" charset="0"/>
-                <a:ea typeface="Times New Roman" panose="02020603050405020304" pitchFamily="18" charset="0"/>
-              </a:rPr>
-              <a:t>?: </a:t>
-            </a:r>
-            <a:r>
-              <a:rPr lang="en-US" sz="1600" dirty="0" err="1">
-                <a:solidFill>
-                  <a:srgbClr val="000000"/>
-                </a:solidFill>
-                <a:latin typeface="Courier New" panose="02070309020205020404" pitchFamily="49" charset="0"/>
-                <a:ea typeface="Times New Roman" panose="02020603050405020304" pitchFamily="18" charset="0"/>
-              </a:rPr>
-              <a:t>RunGuardsAndResolvers</a:t>
-            </a:r>
-            <a:r>
-              <a:rPr lang="en-US" sz="1600" dirty="0">
-                <a:solidFill>
-                  <a:srgbClr val="000000"/>
-                </a:solidFill>
-                <a:latin typeface="Courier New" panose="02070309020205020404" pitchFamily="49" charset="0"/>
-                <a:ea typeface="Times New Roman" panose="02020603050405020304" pitchFamily="18" charset="0"/>
-              </a:rPr>
-              <a:t>;</a:t>
-            </a:r>
-            <a:br>
-              <a:rPr lang="en-US" sz="1600" dirty="0">
-                <a:solidFill>
-                  <a:srgbClr val="000000"/>
-                </a:solidFill>
-                <a:latin typeface="Courier New" panose="02070309020205020404" pitchFamily="49" charset="0"/>
-                <a:ea typeface="Times New Roman" panose="02020603050405020304" pitchFamily="18" charset="0"/>
-              </a:rPr>
-            </a:br>
-            <a:r>
-              <a:rPr lang="en-US" sz="1600" dirty="0">
-                <a:solidFill>
-                  <a:srgbClr val="000000"/>
-                </a:solidFill>
-                <a:latin typeface="Courier New" panose="02070309020205020404" pitchFamily="49" charset="0"/>
-                <a:ea typeface="Times New Roman" panose="02020603050405020304" pitchFamily="18" charset="0"/>
-              </a:rPr>
-              <a:t>}</a:t>
-            </a:r>
-            <a:endParaRPr lang="he-IL" sz="1600" dirty="0"/>
-          </a:p>
-        </p:txBody>
-      </p:sp>
-      <p:sp>
-        <p:nvSpPr>
-          <p:cNvPr id="7" name="Line Callout 2 6"/>
-          <p:cNvSpPr/>
-          <p:nvPr/>
-        </p:nvSpPr>
-        <p:spPr>
-          <a:xfrm>
-            <a:off x="6991120" y="2564904"/>
-            <a:ext cx="1253288" cy="936104"/>
-          </a:xfrm>
-          <a:prstGeom prst="borderCallout2">
-            <a:avLst>
-              <a:gd name="adj1" fmla="val 18750"/>
-              <a:gd name="adj2" fmla="val -8333"/>
-              <a:gd name="adj3" fmla="val 18750"/>
-              <a:gd name="adj4" fmla="val -16667"/>
-              <a:gd name="adj5" fmla="val 235788"/>
-              <a:gd name="adj6" fmla="val -274349"/>
-            </a:avLst>
-          </a:prstGeom>
-        </p:spPr>
-        <p:style>
-          <a:lnRef idx="2">
-            <a:schemeClr val="accent1">
-              <a:shade val="50000"/>
-            </a:schemeClr>
-          </a:lnRef>
-          <a:fillRef idx="1">
-            <a:schemeClr val="accent1"/>
-          </a:fillRef>
-          <a:effectRef idx="0">
-            <a:schemeClr val="accent1"/>
-          </a:effectRef>
-          <a:fontRef idx="minor">
-            <a:schemeClr val="lt1"/>
-          </a:fontRef>
-        </p:style>
-        <p:txBody>
-          <a:bodyPr rtlCol="0" anchor="ctr"/>
-          <a:lstStyle/>
-          <a:p>
-            <a:pPr algn="ctr"/>
-            <a:r>
-              <a:rPr lang="en-US" sz="1400" dirty="0" err="1"/>
-              <a:t>Readonly</a:t>
-            </a:r>
-            <a:r>
-              <a:rPr lang="en-US" sz="1400" dirty="0"/>
-              <a:t> data usually is a some kind of configuration</a:t>
-            </a:r>
-          </a:p>
-        </p:txBody>
-      </p:sp>
-      <p:sp>
-        <p:nvSpPr>
-          <p:cNvPr id="8" name="Line Callout 2 6"/>
-          <p:cNvSpPr/>
-          <p:nvPr/>
-        </p:nvSpPr>
-        <p:spPr>
-          <a:xfrm>
-            <a:off x="7164288" y="4411856"/>
-            <a:ext cx="1253288" cy="936104"/>
-          </a:xfrm>
-          <a:prstGeom prst="borderCallout2">
-            <a:avLst>
-              <a:gd name="adj1" fmla="val 18750"/>
-              <a:gd name="adj2" fmla="val -8333"/>
-              <a:gd name="adj3" fmla="val 18750"/>
-              <a:gd name="adj4" fmla="val -16667"/>
-              <a:gd name="adj5" fmla="val 64536"/>
-              <a:gd name="adj6" fmla="val -196309"/>
-            </a:avLst>
-          </a:prstGeom>
-        </p:spPr>
-        <p:style>
-          <a:lnRef idx="2">
-            <a:schemeClr val="accent1">
-              <a:shade val="50000"/>
-            </a:schemeClr>
-          </a:lnRef>
-          <a:fillRef idx="1">
-            <a:schemeClr val="accent1"/>
-          </a:fillRef>
-          <a:effectRef idx="0">
-            <a:schemeClr val="accent1"/>
-          </a:effectRef>
-          <a:fontRef idx="minor">
-            <a:schemeClr val="lt1"/>
-          </a:fontRef>
-        </p:style>
-        <p:txBody>
-          <a:bodyPr rtlCol="0" anchor="ctr"/>
-          <a:lstStyle/>
-          <a:p>
-            <a:pPr algn="ctr"/>
-            <a:r>
-              <a:rPr lang="en-US" sz="1400" dirty="0"/>
-              <a:t>Dynamic data that resolved during route activation</a:t>
-            </a:r>
-          </a:p>
-        </p:txBody>
-      </p:sp>
-    </p:spTree>
-    <p:extLst>
-      <p:ext uri="{BB962C8B-B14F-4D97-AF65-F5344CB8AC3E}">
-        <p14:creationId xmlns:p14="http://schemas.microsoft.com/office/powerpoint/2010/main" val="3980266517"/>
-      </p:ext>
-    </p:extLst>
-  </p:cSld>
-  <p:clrMapOvr>
-    <a:masterClrMapping/>
-  </p:clrMapOvr>
-</p:sld>
-</file>
-
-<file path=ppt/slides/slide36.xml><?xml version="1.0" encoding="utf-8"?>
-<p:sld xmlns:a="http://schemas.openxmlformats.org/drawingml/2006/main" xmlns:r="http://schemas.openxmlformats.org/officeDocument/2006/relationships" xmlns:p="http://schemas.openxmlformats.org/presentationml/2006/main">
-  <p:cSld>
-    <p:spTree>
-      <p:nvGrpSpPr>
-        <p:cNvPr id="1" name=""/>
-        <p:cNvGrpSpPr/>
-        <p:nvPr/>
-      </p:nvGrpSpPr>
-      <p:grpSpPr>
-        <a:xfrm>
-          <a:off x="0" y="0"/>
-          <a:ext cx="0" cy="0"/>
-          <a:chOff x="0" y="0"/>
-          <a:chExt cx="0" cy="0"/>
-        </a:xfrm>
-      </p:grpSpPr>
-      <p:sp>
-        <p:nvSpPr>
-          <p:cNvPr id="2" name="Title 1"/>
-          <p:cNvSpPr>
-            <a:spLocks noGrp="1"/>
-          </p:cNvSpPr>
-          <p:nvPr>
-            <p:ph type="title"/>
-          </p:nvPr>
-        </p:nvSpPr>
-        <p:spPr/>
-        <p:txBody>
-          <a:bodyPr/>
-          <a:lstStyle/>
-          <a:p>
-            <a:r>
-              <a:rPr lang="en-US" dirty="0"/>
-              <a:t>Summary</a:t>
-            </a:r>
-            <a:endParaRPr lang="he-IL" dirty="0"/>
-          </a:p>
-        </p:txBody>
-      </p:sp>
-      <p:sp>
-        <p:nvSpPr>
-          <p:cNvPr id="3" name="Footer Placeholder 2"/>
-          <p:cNvSpPr>
-            <a:spLocks noGrp="1"/>
-          </p:cNvSpPr>
-          <p:nvPr>
-            <p:ph type="ftr" sz="quarter" idx="11"/>
-          </p:nvPr>
-        </p:nvSpPr>
-        <p:spPr/>
-        <p:txBody>
-          <a:bodyPr/>
-          <a:lstStyle/>
-          <a:p>
-            <a:r>
-              <a:rPr lang="en-US"/>
-              <a:t>© 2016 Ori Calvo</a:t>
-            </a:r>
-            <a:endParaRPr lang="en-US" dirty="0"/>
-          </a:p>
-        </p:txBody>
-      </p:sp>
-      <p:sp>
-        <p:nvSpPr>
-          <p:cNvPr id="4" name="Slide Number Placeholder 3"/>
-          <p:cNvSpPr>
-            <a:spLocks noGrp="1"/>
-          </p:cNvSpPr>
-          <p:nvPr>
-            <p:ph type="sldNum" sz="quarter" idx="12"/>
-          </p:nvPr>
-        </p:nvSpPr>
-        <p:spPr/>
-        <p:txBody>
-          <a:bodyPr>
-            <a:normAutofit fontScale="85000" lnSpcReduction="20000"/>
-          </a:bodyPr>
-          <a:lstStyle/>
-          <a:p>
-            <a:fld id="{6EDEC3BC-0694-4586-AE63-02B4D54ABF43}" type="slidenum">
-              <a:rPr lang="en-US" smtClean="0"/>
-              <a:pPr/>
-              <a:t>36</a:t>
-            </a:fld>
-            <a:endParaRPr lang="en-US"/>
-          </a:p>
-        </p:txBody>
-      </p:sp>
-      <p:sp>
-        <p:nvSpPr>
           <p:cNvPr id="5" name="Content Placeholder 4"/>
           <p:cNvSpPr>
             <a:spLocks noGrp="1"/>
@@ -28960,6 +27761,42 @@
           <a:bodyPr/>
           <a:lstStyle/>
           <a:p>
+            <a:r>
+              <a:rPr lang="en-US" dirty="0"/>
+              <a:t>Use –routing when creating new project</a:t>
+            </a:r>
+          </a:p>
+          <a:p>
+            <a:r>
+              <a:rPr lang="en-US" dirty="0"/>
+              <a:t>Use </a:t>
+            </a:r>
+            <a:r>
+              <a:rPr lang="en-US" dirty="0" err="1"/>
+              <a:t>ActivatedRoute.snapshot</a:t>
+            </a:r>
+            <a:r>
+              <a:rPr lang="en-US" dirty="0"/>
+              <a:t> for non observable manipulation</a:t>
+            </a:r>
+          </a:p>
+          <a:p>
+            <a:r>
+              <a:rPr lang="en-US" dirty="0" err="1"/>
+              <a:t>Keet</a:t>
+            </a:r>
+            <a:r>
+              <a:rPr lang="en-US" dirty="0"/>
+              <a:t> important state inside URL so user is able to </a:t>
+            </a:r>
+            <a:r>
+              <a:rPr lang="en-US" dirty="0" err="1"/>
+              <a:t>bookmart</a:t>
+            </a:r>
+            <a:r>
+              <a:rPr lang="en-US"/>
+              <a:t> URL</a:t>
+            </a:r>
             <a:endParaRPr lang="he-IL" dirty="0"/>
           </a:p>
         </p:txBody>
@@ -30965,7 +29802,7 @@
           <a:p>
             <a:r>
               <a:rPr lang="en-US" dirty="0"/>
-              <a:t>First matching route win !!!</a:t>
+              <a:t>First matching route wins !!!</a:t>
             </a:r>
           </a:p>
           <a:p>

--- a/PPTs/05 Routing.pptx
+++ b/PPTs/05 Routing.pptx
@@ -5,7 +5,7 @@
     <p:sldMasterId id="2147483672" r:id="rId1"/>
   </p:sldMasterIdLst>
   <p:notesMasterIdLst>
-    <p:notesMasterId r:id="rId37"/>
+    <p:notesMasterId r:id="rId36"/>
   </p:notesMasterIdLst>
   <p:sldIdLst>
     <p:sldId id="256" r:id="rId2"/>
@@ -41,8 +41,7 @@
     <p:sldId id="324" r:id="rId32"/>
     <p:sldId id="325" r:id="rId33"/>
     <p:sldId id="326" r:id="rId34"/>
-    <p:sldId id="304" r:id="rId35"/>
-    <p:sldId id="292" r:id="rId36"/>
+    <p:sldId id="292" r:id="rId35"/>
   </p:sldIdLst>
   <p:sldSz cx="9144000" cy="6858000" type="screen4x3"/>
   <p:notesSz cx="6858000" cy="9144000"/>
@@ -243,7 +242,7 @@
             <a:fld id="{4991502B-FFA8-47B9-B4E5-980CA415BAFF}" type="datetimeFigureOut">
               <a:rPr lang="en-US" smtClean="0"/>
               <a:pPr/>
-              <a:t>5/14/2018</a:t>
+              <a:t>7/9/2018</a:t>
             </a:fld>
             <a:endParaRPr lang="en-US"/>
           </a:p>
@@ -27180,12 +27179,8 @@
           <a:lstStyle/>
           <a:p>
             <a:r>
-              <a:rPr lang="en-US" dirty="0" err="1"/>
-              <a:t>routerLink</a:t>
-            </a:r>
-            <a:r>
               <a:rPr lang="en-US" dirty="0"/>
-              <a:t> Parameters</a:t>
+              <a:t>Summary</a:t>
             </a:r>
             <a:endParaRPr lang="he-IL" dirty="0"/>
           </a:p>
@@ -27235,512 +27230,6 @@
               <a:rPr lang="en-US" smtClean="0"/>
               <a:pPr/>
               <a:t>34</a:t>
-            </a:fld>
-            <a:endParaRPr lang="en-US"/>
-          </a:p>
-        </p:txBody>
-      </p:sp>
-      <p:sp>
-        <p:nvSpPr>
-          <p:cNvPr id="5" name="Content Placeholder 4"/>
-          <p:cNvSpPr>
-            <a:spLocks noGrp="1"/>
-          </p:cNvSpPr>
-          <p:nvPr>
-            <p:ph sz="quarter" idx="1"/>
-          </p:nvPr>
-        </p:nvSpPr>
-        <p:spPr/>
-        <p:txBody>
-          <a:bodyPr/>
-          <a:lstStyle/>
-          <a:p>
-            <a:r>
-              <a:rPr lang="en-US" dirty="0"/>
-              <a:t>A link may specify additional parameters</a:t>
-            </a:r>
-          </a:p>
-        </p:txBody>
-      </p:sp>
-      <p:sp>
-        <p:nvSpPr>
-          <p:cNvPr id="6" name="Rectangle 5"/>
-          <p:cNvSpPr/>
-          <p:nvPr/>
-        </p:nvSpPr>
-        <p:spPr>
-          <a:xfrm>
-            <a:off x="590165" y="2492896"/>
-            <a:ext cx="8198365" cy="369332"/>
-          </a:xfrm>
-          <a:prstGeom prst="rect">
-            <a:avLst/>
-          </a:prstGeom>
-        </p:spPr>
-        <p:txBody>
-          <a:bodyPr wrap="square">
-            <a:spAutoFit/>
-          </a:bodyPr>
-          <a:lstStyle/>
-          <a:p>
-            <a:r>
-              <a:rPr lang="en-US" dirty="0">
-                <a:latin typeface="Calibri" panose="020F0502020204030204" pitchFamily="34" charset="0"/>
-                <a:ea typeface="Calibri" panose="020F0502020204030204" pitchFamily="34" charset="0"/>
-                <a:cs typeface="Arial" panose="020B0604020202020204" pitchFamily="34" charset="0"/>
-              </a:rPr>
-              <a:t>http://localhost:8080/contacts;orderBy=desc/contact/2;expand=true?lang=en#jump</a:t>
-            </a:r>
-            <a:endParaRPr lang="he-IL" dirty="0"/>
-          </a:p>
-        </p:txBody>
-      </p:sp>
-      <p:sp>
-        <p:nvSpPr>
-          <p:cNvPr id="7" name="Line Callout 2 6"/>
-          <p:cNvSpPr/>
-          <p:nvPr/>
-        </p:nvSpPr>
-        <p:spPr>
-          <a:xfrm>
-            <a:off x="827584" y="4103095"/>
-            <a:ext cx="1152128" cy="550041"/>
-          </a:xfrm>
-          <a:prstGeom prst="borderCallout2">
-            <a:avLst>
-              <a:gd name="adj1" fmla="val -17023"/>
-              <a:gd name="adj2" fmla="val 46922"/>
-              <a:gd name="adj3" fmla="val -18076"/>
-              <a:gd name="adj4" fmla="val 62699"/>
-              <a:gd name="adj5" fmla="val -234860"/>
-              <a:gd name="adj6" fmla="val 187514"/>
-            </a:avLst>
-          </a:prstGeom>
-          <a:solidFill>
-            <a:schemeClr val="accent2"/>
-          </a:solidFill>
-        </p:spPr>
-        <p:style>
-          <a:lnRef idx="2">
-            <a:schemeClr val="accent1">
-              <a:shade val="50000"/>
-            </a:schemeClr>
-          </a:lnRef>
-          <a:fillRef idx="1">
-            <a:schemeClr val="accent1"/>
-          </a:fillRef>
-          <a:effectRef idx="0">
-            <a:schemeClr val="accent1"/>
-          </a:effectRef>
-          <a:fontRef idx="minor">
-            <a:schemeClr val="lt1"/>
-          </a:fontRef>
-        </p:style>
-        <p:txBody>
-          <a:bodyPr rtlCol="0" anchor="ctr"/>
-          <a:lstStyle/>
-          <a:p>
-            <a:pPr algn="ctr"/>
-            <a:r>
-              <a:rPr lang="en-US" sz="1400" dirty="0"/>
-              <a:t>Route path</a:t>
-            </a:r>
-          </a:p>
-        </p:txBody>
-      </p:sp>
-      <p:sp>
-        <p:nvSpPr>
-          <p:cNvPr id="9" name="Line Callout 2 6"/>
-          <p:cNvSpPr/>
-          <p:nvPr/>
-        </p:nvSpPr>
-        <p:spPr>
-          <a:xfrm>
-            <a:off x="2699792" y="4714978"/>
-            <a:ext cx="1296144" cy="730246"/>
-          </a:xfrm>
-          <a:prstGeom prst="borderCallout2">
-            <a:avLst>
-              <a:gd name="adj1" fmla="val -17023"/>
-              <a:gd name="adj2" fmla="val 46922"/>
-              <a:gd name="adj3" fmla="val -18076"/>
-              <a:gd name="adj4" fmla="val 62699"/>
-              <a:gd name="adj5" fmla="val -209323"/>
-              <a:gd name="adj6" fmla="val 116464"/>
-            </a:avLst>
-          </a:prstGeom>
-          <a:solidFill>
-            <a:schemeClr val="accent2"/>
-          </a:solidFill>
-        </p:spPr>
-        <p:style>
-          <a:lnRef idx="2">
-            <a:schemeClr val="accent1">
-              <a:shade val="50000"/>
-            </a:schemeClr>
-          </a:lnRef>
-          <a:fillRef idx="1">
-            <a:schemeClr val="accent1"/>
-          </a:fillRef>
-          <a:effectRef idx="0">
-            <a:schemeClr val="accent1"/>
-          </a:effectRef>
-          <a:fontRef idx="minor">
-            <a:schemeClr val="lt1"/>
-          </a:fontRef>
-        </p:style>
-        <p:txBody>
-          <a:bodyPr rtlCol="0" anchor="ctr"/>
-          <a:lstStyle/>
-          <a:p>
-            <a:pPr algn="ctr"/>
-            <a:r>
-              <a:rPr lang="en-US" sz="1400" dirty="0"/>
-              <a:t>Optional route parameter</a:t>
-            </a:r>
-          </a:p>
-        </p:txBody>
-      </p:sp>
-      <p:sp>
-        <p:nvSpPr>
-          <p:cNvPr id="10" name="Right Brace 9"/>
-          <p:cNvSpPr/>
-          <p:nvPr/>
-        </p:nvSpPr>
-        <p:spPr>
-          <a:xfrm rot="5400000">
-            <a:off x="4068117" y="2460150"/>
-            <a:ext cx="314355" cy="1034782"/>
-          </a:xfrm>
-          <a:prstGeom prst="rightBrace">
-            <a:avLst/>
-          </a:prstGeom>
-        </p:spPr>
-        <p:style>
-          <a:lnRef idx="1">
-            <a:schemeClr val="accent1"/>
-          </a:lnRef>
-          <a:fillRef idx="0">
-            <a:schemeClr val="accent1"/>
-          </a:fillRef>
-          <a:effectRef idx="0">
-            <a:schemeClr val="accent1"/>
-          </a:effectRef>
-          <a:fontRef idx="minor">
-            <a:schemeClr val="tx1"/>
-          </a:fontRef>
-        </p:style>
-        <p:txBody>
-          <a:bodyPr rtlCol="1" anchor="ctr"/>
-          <a:lstStyle/>
-          <a:p>
-            <a:pPr algn="ctr"/>
-            <a:endParaRPr lang="he-IL"/>
-          </a:p>
-        </p:txBody>
-      </p:sp>
-      <p:sp>
-        <p:nvSpPr>
-          <p:cNvPr id="11" name="Right Brace 10"/>
-          <p:cNvSpPr/>
-          <p:nvPr/>
-        </p:nvSpPr>
-        <p:spPr>
-          <a:xfrm rot="5400000">
-            <a:off x="5711954" y="2820178"/>
-            <a:ext cx="140088" cy="144016"/>
-          </a:xfrm>
-          <a:prstGeom prst="rightBrace">
-            <a:avLst/>
-          </a:prstGeom>
-        </p:spPr>
-        <p:style>
-          <a:lnRef idx="1">
-            <a:schemeClr val="accent1"/>
-          </a:lnRef>
-          <a:fillRef idx="0">
-            <a:schemeClr val="accent1"/>
-          </a:fillRef>
-          <a:effectRef idx="0">
-            <a:schemeClr val="accent1"/>
-          </a:effectRef>
-          <a:fontRef idx="minor">
-            <a:schemeClr val="tx1"/>
-          </a:fontRef>
-        </p:style>
-        <p:txBody>
-          <a:bodyPr rtlCol="1" anchor="ctr"/>
-          <a:lstStyle/>
-          <a:p>
-            <a:pPr algn="ctr"/>
-            <a:endParaRPr lang="he-IL"/>
-          </a:p>
-        </p:txBody>
-      </p:sp>
-      <p:sp>
-        <p:nvSpPr>
-          <p:cNvPr id="12" name="Line Callout 2 6"/>
-          <p:cNvSpPr/>
-          <p:nvPr/>
-        </p:nvSpPr>
-        <p:spPr>
-          <a:xfrm>
-            <a:off x="4534826" y="4869160"/>
-            <a:ext cx="1296144" cy="730246"/>
-          </a:xfrm>
-          <a:prstGeom prst="borderCallout2">
-            <a:avLst>
-              <a:gd name="adj1" fmla="val -17023"/>
-              <a:gd name="adj2" fmla="val 46922"/>
-              <a:gd name="adj3" fmla="val -18076"/>
-              <a:gd name="adj4" fmla="val 62699"/>
-              <a:gd name="adj5" fmla="val -250534"/>
-              <a:gd name="adj6" fmla="val 91013"/>
-            </a:avLst>
-          </a:prstGeom>
-          <a:solidFill>
-            <a:schemeClr val="accent2"/>
-          </a:solidFill>
-        </p:spPr>
-        <p:style>
-          <a:lnRef idx="2">
-            <a:schemeClr val="accent1">
-              <a:shade val="50000"/>
-            </a:schemeClr>
-          </a:lnRef>
-          <a:fillRef idx="1">
-            <a:schemeClr val="accent1"/>
-          </a:fillRef>
-          <a:effectRef idx="0">
-            <a:schemeClr val="accent1"/>
-          </a:effectRef>
-          <a:fontRef idx="minor">
-            <a:schemeClr val="lt1"/>
-          </a:fontRef>
-        </p:style>
-        <p:txBody>
-          <a:bodyPr rtlCol="0" anchor="ctr"/>
-          <a:lstStyle/>
-          <a:p>
-            <a:pPr algn="ctr"/>
-            <a:r>
-              <a:rPr lang="en-US" sz="1400" dirty="0"/>
-              <a:t>Required route parameter</a:t>
-            </a:r>
-          </a:p>
-        </p:txBody>
-      </p:sp>
-      <p:sp>
-        <p:nvSpPr>
-          <p:cNvPr id="13" name="Line Callout 2 6"/>
-          <p:cNvSpPr/>
-          <p:nvPr/>
-        </p:nvSpPr>
-        <p:spPr>
-          <a:xfrm>
-            <a:off x="6407696" y="4714978"/>
-            <a:ext cx="1152128" cy="550041"/>
-          </a:xfrm>
-          <a:prstGeom prst="borderCallout2">
-            <a:avLst>
-              <a:gd name="adj1" fmla="val -17023"/>
-              <a:gd name="adj2" fmla="val 46922"/>
-              <a:gd name="adj3" fmla="val -18076"/>
-              <a:gd name="adj4" fmla="val 62699"/>
-              <a:gd name="adj5" fmla="val -345337"/>
-              <a:gd name="adj6" fmla="val -101319"/>
-            </a:avLst>
-          </a:prstGeom>
-          <a:solidFill>
-            <a:schemeClr val="accent2"/>
-          </a:solidFill>
-        </p:spPr>
-        <p:style>
-          <a:lnRef idx="2">
-            <a:schemeClr val="accent1">
-              <a:shade val="50000"/>
-            </a:schemeClr>
-          </a:lnRef>
-          <a:fillRef idx="1">
-            <a:schemeClr val="accent1"/>
-          </a:fillRef>
-          <a:effectRef idx="0">
-            <a:schemeClr val="accent1"/>
-          </a:effectRef>
-          <a:fontRef idx="minor">
-            <a:schemeClr val="lt1"/>
-          </a:fontRef>
-        </p:style>
-        <p:txBody>
-          <a:bodyPr rtlCol="0" anchor="ctr"/>
-          <a:lstStyle/>
-          <a:p>
-            <a:pPr algn="ctr"/>
-            <a:r>
-              <a:rPr lang="en-US" sz="1400" dirty="0"/>
-              <a:t>Another route path</a:t>
-            </a:r>
-          </a:p>
-        </p:txBody>
-      </p:sp>
-      <p:sp>
-        <p:nvSpPr>
-          <p:cNvPr id="14" name="Line Callout 2 6"/>
-          <p:cNvSpPr/>
-          <p:nvPr/>
-        </p:nvSpPr>
-        <p:spPr>
-          <a:xfrm>
-            <a:off x="7380312" y="3670017"/>
-            <a:ext cx="1296144" cy="730246"/>
-          </a:xfrm>
-          <a:prstGeom prst="borderCallout2">
-            <a:avLst>
-              <a:gd name="adj1" fmla="val -112918"/>
-              <a:gd name="adj2" fmla="val 69247"/>
-              <a:gd name="adj3" fmla="val -18076"/>
-              <a:gd name="adj4" fmla="val 62699"/>
-              <a:gd name="adj5" fmla="val -112636"/>
-              <a:gd name="adj6" fmla="val 21358"/>
-            </a:avLst>
-          </a:prstGeom>
-          <a:solidFill>
-            <a:schemeClr val="accent2"/>
-          </a:solidFill>
-        </p:spPr>
-        <p:style>
-          <a:lnRef idx="2">
-            <a:schemeClr val="accent1">
-              <a:shade val="50000"/>
-            </a:schemeClr>
-          </a:lnRef>
-          <a:fillRef idx="1">
-            <a:schemeClr val="accent1"/>
-          </a:fillRef>
-          <a:effectRef idx="0">
-            <a:schemeClr val="accent1"/>
-          </a:effectRef>
-          <a:fontRef idx="minor">
-            <a:schemeClr val="lt1"/>
-          </a:fontRef>
-        </p:style>
-        <p:txBody>
-          <a:bodyPr rtlCol="0" anchor="ctr"/>
-          <a:lstStyle/>
-          <a:p>
-            <a:pPr algn="ctr"/>
-            <a:r>
-              <a:rPr lang="en-US" sz="1400" dirty="0"/>
-              <a:t>Global query </a:t>
-            </a:r>
-            <a:r>
-              <a:rPr lang="en-US" sz="1400" dirty="0" err="1"/>
-              <a:t>params</a:t>
-            </a:r>
-            <a:r>
-              <a:rPr lang="en-US" sz="1400" dirty="0"/>
-              <a:t> &amp; fragment</a:t>
-            </a:r>
-          </a:p>
-        </p:txBody>
-      </p:sp>
-    </p:spTree>
-    <p:extLst>
-      <p:ext uri="{BB962C8B-B14F-4D97-AF65-F5344CB8AC3E}">
-        <p14:creationId xmlns:p14="http://schemas.microsoft.com/office/powerpoint/2010/main" val="2962243053"/>
-      </p:ext>
-    </p:extLst>
-  </p:cSld>
-  <p:clrMapOvr>
-    <a:masterClrMapping/>
-  </p:clrMapOvr>
-</p:sld>
-</file>
-
-<file path=ppt/slides/slide35.xml><?xml version="1.0" encoding="utf-8"?>
-<p:sld xmlns:a="http://schemas.openxmlformats.org/drawingml/2006/main" xmlns:r="http://schemas.openxmlformats.org/officeDocument/2006/relationships" xmlns:p="http://schemas.openxmlformats.org/presentationml/2006/main">
-  <p:cSld>
-    <p:spTree>
-      <p:nvGrpSpPr>
-        <p:cNvPr id="1" name=""/>
-        <p:cNvGrpSpPr/>
-        <p:nvPr/>
-      </p:nvGrpSpPr>
-      <p:grpSpPr>
-        <a:xfrm>
-          <a:off x="0" y="0"/>
-          <a:ext cx="0" cy="0"/>
-          <a:chOff x="0" y="0"/>
-          <a:chExt cx="0" cy="0"/>
-        </a:xfrm>
-      </p:grpSpPr>
-      <p:sp>
-        <p:nvSpPr>
-          <p:cNvPr id="2" name="Title 1"/>
-          <p:cNvSpPr>
-            <a:spLocks noGrp="1"/>
-          </p:cNvSpPr>
-          <p:nvPr>
-            <p:ph type="title"/>
-          </p:nvPr>
-        </p:nvSpPr>
-        <p:spPr/>
-        <p:txBody>
-          <a:bodyPr/>
-          <a:lstStyle/>
-          <a:p>
-            <a:r>
-              <a:rPr lang="en-US" dirty="0"/>
-              <a:t>Summary</a:t>
-            </a:r>
-            <a:endParaRPr lang="he-IL" dirty="0"/>
-          </a:p>
-        </p:txBody>
-      </p:sp>
-      <p:sp>
-        <p:nvSpPr>
-          <p:cNvPr id="3" name="Footer Placeholder 2"/>
-          <p:cNvSpPr>
-            <a:spLocks noGrp="1"/>
-          </p:cNvSpPr>
-          <p:nvPr>
-            <p:ph type="ftr" sz="quarter" idx="11"/>
-          </p:nvPr>
-        </p:nvSpPr>
-        <p:spPr/>
-        <p:txBody>
-          <a:bodyPr/>
-          <a:lstStyle/>
-          <a:p>
-            <a:r>
-              <a:rPr lang="en-US"/>
-              <a:t>© 2016 Ori Calvo</a:t>
-            </a:r>
-            <a:endParaRPr lang="en-US" dirty="0"/>
-          </a:p>
-        </p:txBody>
-      </p:sp>
-      <p:sp>
-        <p:nvSpPr>
-          <p:cNvPr id="4" name="Slide Number Placeholder 3"/>
-          <p:cNvSpPr>
-            <a:spLocks noGrp="1"/>
-          </p:cNvSpPr>
-          <p:nvPr>
-            <p:ph type="sldNum" sz="quarter" idx="12"/>
-          </p:nvPr>
-        </p:nvSpPr>
-        <p:spPr/>
-        <p:txBody>
-          <a:bodyPr>
-            <a:normAutofit fontScale="85000" lnSpcReduction="20000"/>
-          </a:bodyPr>
-          <a:lstStyle/>
-          <a:p>
-            <a:fld id="{6EDEC3BC-0694-4586-AE63-02B4D54ABF43}" type="slidenum">
-              <a:rPr lang="en-US" smtClean="0"/>
-              <a:pPr/>
-              <a:t>35</a:t>
             </a:fld>
             <a:endParaRPr lang="en-US"/>
           </a:p>
